--- a/Documents/Presentation/ECE6710_06_PRESENTATION.pptx
+++ b/Documents/Presentation/ECE6710_06_PRESENTATION.pptx
@@ -2,19 +2,18 @@
 <file path=ppt/presentation.xml><?xml version="1.0" encoding="utf-8"?>
 <p:presentation xmlns:a="http://schemas.openxmlformats.org/drawingml/2006/main" xmlns:r="http://schemas.openxmlformats.org/officeDocument/2006/relationships" xmlns:p="http://schemas.openxmlformats.org/presentationml/2006/main" autoCompressPictures="0">
   <p:sldMasterIdLst>
-    <p:sldMasterId id="2147483723" r:id="rId1"/>
+    <p:sldMasterId id="2147483759" r:id="rId1"/>
   </p:sldMasterIdLst>
   <p:notesMasterIdLst>
-    <p:notesMasterId r:id="rId9"/>
+    <p:notesMasterId r:id="rId8"/>
   </p:notesMasterIdLst>
   <p:sldIdLst>
     <p:sldId id="256" r:id="rId2"/>
     <p:sldId id="257" r:id="rId3"/>
-    <p:sldId id="262" r:id="rId4"/>
+    <p:sldId id="266" r:id="rId4"/>
     <p:sldId id="263" r:id="rId5"/>
     <p:sldId id="264" r:id="rId6"/>
-    <p:sldId id="266" r:id="rId7"/>
-    <p:sldId id="265" r:id="rId8"/>
+    <p:sldId id="265" r:id="rId7"/>
   </p:sldIdLst>
   <p:sldSz cx="12192000" cy="6858000"/>
   <p:notesSz cx="6858000" cy="9144000"/>
@@ -639,41 +638,11 @@
           <a:p>
             <a:r>
               <a:rPr lang="en-US" dirty="0" smtClean="0"/>
-              <a:t>“Reprogrammable”</a:t>
-            </a:r>
-          </a:p>
-          <a:p>
-            <a:r>
-              <a:rPr lang="en-US" dirty="0" smtClean="0"/>
-              <a:t>	-Must write application and have a</a:t>
+              <a:t>This is how our chip look</a:t>
             </a:r>
             <a:r>
               <a:rPr lang="en-US" baseline="0" dirty="0" smtClean="0"/>
-              <a:t> ROM programmed with code</a:t>
-            </a:r>
-          </a:p>
-          <a:p>
-            <a:r>
-              <a:rPr lang="en-US" baseline="0" dirty="0" smtClean="0"/>
-              <a:t>Off-chip memory</a:t>
-            </a:r>
-          </a:p>
-          <a:p>
-            <a:r>
-              <a:rPr lang="en-US" baseline="0" dirty="0" smtClean="0"/>
-              <a:t>	-reduces real-estate on the chip and reduces probability for the need for custom cells in place of using the place 	and route tool.</a:t>
-            </a:r>
-          </a:p>
-          <a:p>
-            <a:r>
-              <a:rPr lang="en-US" baseline="0" dirty="0" smtClean="0"/>
-              <a:t>External access to ALU flag and FSM state bits for testing</a:t>
-            </a:r>
-          </a:p>
-          <a:p>
-            <a:r>
-              <a:rPr lang="en-US" baseline="0" dirty="0" smtClean="0"/>
-              <a:t>	-In case chips not working we can debug issues to try to locate the source of error.</a:t>
+              <a:t> deployed in a system.</a:t>
             </a:r>
             <a:endParaRPr lang="en-US" dirty="0"/>
           </a:p>
@@ -705,7 +674,7 @@
     </p:spTree>
     <p:extLst>
       <p:ext uri="{BB962C8B-B14F-4D97-AF65-F5344CB8AC3E}">
-        <p14:creationId xmlns:p14="http://schemas.microsoft.com/office/powerpoint/2010/main" val="3300621864"/>
+        <p14:creationId xmlns:p14="http://schemas.microsoft.com/office/powerpoint/2010/main" val="3807032323"/>
       </p:ext>
     </p:extLst>
   </p:cSld>
@@ -761,9 +730,27 @@
           <a:p>
             <a:r>
               <a:rPr lang="en-US" dirty="0" smtClean="0"/>
-              <a:t>Block diagram for our microprocessor</a:t>
-            </a:r>
-            <a:endParaRPr lang="en-US" dirty="0"/>
+              <a:t>2 bit color VGA </a:t>
+            </a:r>
+          </a:p>
+          <a:p>
+            <a:r>
+              <a:rPr lang="en-US" dirty="0" smtClean="0"/>
+              <a:t>I2S Interface to stream audio</a:t>
+            </a:r>
+          </a:p>
+          <a:p>
+            <a:r>
+              <a:rPr lang="en-US" dirty="0" smtClean="0"/>
+              <a:t>Off-chip memory</a:t>
+            </a:r>
+          </a:p>
+          <a:p>
+            <a:r>
+              <a:rPr lang="en-US" dirty="0" smtClean="0"/>
+              <a:t>External access to ALU flag and FSM state bits for testing</a:t>
+            </a:r>
+            <a:endParaRPr lang="en-US" dirty="0" smtClean="0"/>
           </a:p>
         </p:txBody>
       </p:sp>
@@ -886,98 +873,6 @@
     <p:extLst>
       <p:ext uri="{BB962C8B-B14F-4D97-AF65-F5344CB8AC3E}">
         <p14:creationId xmlns:p14="http://schemas.microsoft.com/office/powerpoint/2010/main" val="1373836049"/>
-      </p:ext>
-    </p:extLst>
-  </p:cSld>
-  <p:clrMapOvr>
-    <a:masterClrMapping/>
-  </p:clrMapOvr>
-</p:notes>
-</file>
-
-<file path=ppt/notesSlides/notesSlide5.xml><?xml version="1.0" encoding="utf-8"?>
-<p:notes xmlns:a="http://schemas.openxmlformats.org/drawingml/2006/main" xmlns:r="http://schemas.openxmlformats.org/officeDocument/2006/relationships" xmlns:p="http://schemas.openxmlformats.org/presentationml/2006/main">
-  <p:cSld>
-    <p:spTree>
-      <p:nvGrpSpPr>
-        <p:cNvPr id="1" name=""/>
-        <p:cNvGrpSpPr/>
-        <p:nvPr/>
-      </p:nvGrpSpPr>
-      <p:grpSpPr>
-        <a:xfrm>
-          <a:off x="0" y="0"/>
-          <a:ext cx="0" cy="0"/>
-          <a:chOff x="0" y="0"/>
-          <a:chExt cx="0" cy="0"/>
-        </a:xfrm>
-      </p:grpSpPr>
-      <p:sp>
-        <p:nvSpPr>
-          <p:cNvPr id="2" name="Slide Image Placeholder 1"/>
-          <p:cNvSpPr>
-            <a:spLocks noGrp="1" noRot="1" noChangeAspect="1"/>
-          </p:cNvSpPr>
-          <p:nvPr>
-            <p:ph type="sldImg"/>
-          </p:nvPr>
-        </p:nvSpPr>
-        <p:spPr/>
-      </p:sp>
-      <p:sp>
-        <p:nvSpPr>
-          <p:cNvPr id="3" name="Notes Placeholder 2"/>
-          <p:cNvSpPr>
-            <a:spLocks noGrp="1"/>
-          </p:cNvSpPr>
-          <p:nvPr>
-            <p:ph type="body" idx="1"/>
-          </p:nvPr>
-        </p:nvSpPr>
-        <p:spPr/>
-        <p:txBody>
-          <a:bodyPr/>
-          <a:lstStyle/>
-          <a:p>
-            <a:r>
-              <a:rPr lang="en-US" dirty="0" smtClean="0"/>
-              <a:t>This is how our chip look</a:t>
-            </a:r>
-            <a:r>
-              <a:rPr lang="en-US" baseline="0" dirty="0" smtClean="0"/>
-              <a:t> deployed in a system.</a:t>
-            </a:r>
-            <a:endParaRPr lang="en-US" dirty="0"/>
-          </a:p>
-        </p:txBody>
-      </p:sp>
-      <p:sp>
-        <p:nvSpPr>
-          <p:cNvPr id="4" name="Slide Number Placeholder 3"/>
-          <p:cNvSpPr>
-            <a:spLocks noGrp="1"/>
-          </p:cNvSpPr>
-          <p:nvPr>
-            <p:ph type="sldNum" sz="quarter" idx="10"/>
-          </p:nvPr>
-        </p:nvSpPr>
-        <p:spPr/>
-        <p:txBody>
-          <a:bodyPr/>
-          <a:lstStyle/>
-          <a:p>
-            <a:fld id="{4B644C2F-004E-4293-AAD8-A1333BA60648}" type="slidenum">
-              <a:rPr lang="en-US" smtClean="0"/>
-              <a:t>6</a:t>
-            </a:fld>
-            <a:endParaRPr lang="en-US"/>
-          </a:p>
-        </p:txBody>
-      </p:sp>
-    </p:spTree>
-    <p:extLst>
-      <p:ext uri="{BB962C8B-B14F-4D97-AF65-F5344CB8AC3E}">
-        <p14:creationId xmlns:p14="http://schemas.microsoft.com/office/powerpoint/2010/main" val="3807032323"/>
       </p:ext>
     </p:extLst>
   </p:cSld>
@@ -1136,7 +1031,7 @@
         </p:nvSpPr>
         <p:spPr>
           <a:xfrm>
-            <a:off x="1100051" y="4455620"/>
+            <a:off x="1100051" y="4455621"/>
             <a:ext cx="10058400" cy="1143000"/>
           </a:xfrm>
         </p:spPr>
@@ -1302,7 +1197,7 @@
     </p:spTree>
     <p:extLst>
       <p:ext uri="{BB962C8B-B14F-4D97-AF65-F5344CB8AC3E}">
-        <p14:creationId xmlns:p14="http://schemas.microsoft.com/office/powerpoint/2010/main" val="3410332455"/>
+        <p14:creationId xmlns:p14="http://schemas.microsoft.com/office/powerpoint/2010/main" val="3241745490"/>
       </p:ext>
     </p:extLst>
   </p:cSld>
@@ -1472,7 +1367,7 @@
     </p:spTree>
     <p:extLst>
       <p:ext uri="{BB962C8B-B14F-4D97-AF65-F5344CB8AC3E}">
-        <p14:creationId xmlns:p14="http://schemas.microsoft.com/office/powerpoint/2010/main" val="1981756054"/>
+        <p14:creationId xmlns:p14="http://schemas.microsoft.com/office/powerpoint/2010/main" val="1067407934"/>
       </p:ext>
     </p:extLst>
   </p:cSld>
@@ -1587,8 +1482,8 @@
         </p:nvSpPr>
         <p:spPr>
           <a:xfrm>
-            <a:off x="8724900" y="414778"/>
-            <a:ext cx="2628900" cy="5757421"/>
+            <a:off x="8724900" y="412302"/>
+            <a:ext cx="2628900" cy="5759898"/>
           </a:xfrm>
         </p:spPr>
         <p:txBody>
@@ -1615,8 +1510,8 @@
         </p:nvSpPr>
         <p:spPr>
           <a:xfrm>
-            <a:off x="838200" y="414778"/>
-            <a:ext cx="7734300" cy="5757422"/>
+            <a:off x="838200" y="412302"/>
+            <a:ext cx="7734300" cy="5759898"/>
           </a:xfrm>
         </p:spPr>
         <p:txBody>
@@ -1728,7 +1623,7 @@
     </p:spTree>
     <p:extLst>
       <p:ext uri="{BB962C8B-B14F-4D97-AF65-F5344CB8AC3E}">
-        <p14:creationId xmlns:p14="http://schemas.microsoft.com/office/powerpoint/2010/main" val="192053381"/>
+        <p14:creationId xmlns:p14="http://schemas.microsoft.com/office/powerpoint/2010/main" val="3510221632"/>
       </p:ext>
     </p:extLst>
   </p:cSld>
@@ -1768,11 +1663,7 @@
         <p:spPr/>
         <p:txBody>
           <a:bodyPr/>
-          <a:lstStyle>
-            <a:lvl1pPr marL="0">
-              <a:defRPr/>
-            </a:lvl1pPr>
-          </a:lstStyle>
+          <a:lstStyle/>
           <a:p>
             <a:r>
               <a:rPr lang="en-US" smtClean="0"/>
@@ -1902,7 +1793,7 @@
     </p:spTree>
     <p:extLst>
       <p:ext uri="{BB962C8B-B14F-4D97-AF65-F5344CB8AC3E}">
-        <p14:creationId xmlns:p14="http://schemas.microsoft.com/office/powerpoint/2010/main" val="550025696"/>
+        <p14:creationId xmlns:p14="http://schemas.microsoft.com/office/powerpoint/2010/main" val="59960466"/>
       </p:ext>
     </p:extLst>
   </p:cSld>
@@ -2283,7 +2174,7 @@
     </p:spTree>
     <p:extLst>
       <p:ext uri="{BB962C8B-B14F-4D97-AF65-F5344CB8AC3E}">
-        <p14:creationId xmlns:p14="http://schemas.microsoft.com/office/powerpoint/2010/main" val="1797661668"/>
+        <p14:creationId xmlns:p14="http://schemas.microsoft.com/office/powerpoint/2010/main" val="2354649513"/>
       </p:ext>
     </p:extLst>
   </p:cSld>
@@ -2350,7 +2241,7 @@
         </p:nvSpPr>
         <p:spPr>
           <a:xfrm>
-            <a:off x="1097279" y="1845734"/>
+            <a:off x="1097278" y="1845734"/>
             <a:ext cx="4937760" cy="4023360"/>
           </a:xfrm>
         </p:spPr>
@@ -2520,7 +2411,7 @@
     </p:spTree>
     <p:extLst>
       <p:ext uri="{BB962C8B-B14F-4D97-AF65-F5344CB8AC3E}">
-        <p14:creationId xmlns:p14="http://schemas.microsoft.com/office/powerpoint/2010/main" val="1526530838"/>
+        <p14:creationId xmlns:p14="http://schemas.microsoft.com/office/powerpoint/2010/main" val="2020830686"/>
       </p:ext>
     </p:extLst>
   </p:cSld>
@@ -2899,7 +2790,7 @@
     </p:spTree>
     <p:extLst>
       <p:ext uri="{BB962C8B-B14F-4D97-AF65-F5344CB8AC3E}">
-        <p14:creationId xmlns:p14="http://schemas.microsoft.com/office/powerpoint/2010/main" val="3709975329"/>
+        <p14:creationId xmlns:p14="http://schemas.microsoft.com/office/powerpoint/2010/main" val="936002329"/>
       </p:ext>
     </p:extLst>
   </p:cSld>
@@ -3017,7 +2908,7 @@
     </p:spTree>
     <p:extLst>
       <p:ext uri="{BB962C8B-B14F-4D97-AF65-F5344CB8AC3E}">
-        <p14:creationId xmlns:p14="http://schemas.microsoft.com/office/powerpoint/2010/main" val="905531586"/>
+        <p14:creationId xmlns:p14="http://schemas.microsoft.com/office/powerpoint/2010/main" val="1925544661"/>
       </p:ext>
     </p:extLst>
   </p:cSld>
@@ -3196,7 +3087,7 @@
     </p:spTree>
     <p:extLst>
       <p:ext uri="{BB962C8B-B14F-4D97-AF65-F5344CB8AC3E}">
-        <p14:creationId xmlns:p14="http://schemas.microsoft.com/office/powerpoint/2010/main" val="4174525091"/>
+        <p14:creationId xmlns:p14="http://schemas.microsoft.com/office/powerpoint/2010/main" val="2355391243"/>
       </p:ext>
     </p:extLst>
   </p:cSld>
@@ -3563,7 +3454,7 @@
     </p:spTree>
     <p:extLst>
       <p:ext uri="{BB962C8B-B14F-4D97-AF65-F5344CB8AC3E}">
-        <p14:creationId xmlns:p14="http://schemas.microsoft.com/office/powerpoint/2010/main" val="2883738619"/>
+        <p14:creationId xmlns:p14="http://schemas.microsoft.com/office/powerpoint/2010/main" val="934363220"/>
       </p:ext>
     </p:extLst>
   </p:cSld>
@@ -3679,7 +3570,7 @@
         <p:spPr>
           <a:xfrm>
             <a:off x="1097280" y="5074920"/>
-            <a:ext cx="10113264" cy="822960"/>
+            <a:ext cx="10113645" cy="822960"/>
           </a:xfrm>
         </p:spPr>
         <p:txBody>
@@ -3719,23 +3610,18 @@
             <a:off x="15" y="0"/>
             <a:ext cx="12191985" cy="4915076"/>
           </a:xfrm>
-          <a:blipFill>
-            <a:blip r:embed="rId2"/>
-            <a:stretch>
-              <a:fillRect/>
-            </a:stretch>
-          </a:blipFill>
+          <a:solidFill>
+            <a:schemeClr val="bg2">
+              <a:lumMod val="90000"/>
+            </a:schemeClr>
+          </a:solidFill>
         </p:spPr>
         <p:txBody>
           <a:bodyPr lIns="457200" tIns="457200" anchor="t"/>
           <a:lstStyle>
             <a:lvl1pPr marL="0" indent="0">
               <a:buNone/>
-              <a:defRPr sz="3200">
-                <a:solidFill>
-                  <a:schemeClr val="bg1"/>
-                </a:solidFill>
-              </a:defRPr>
+              <a:defRPr sz="3200"/>
             </a:lvl1pPr>
             <a:lvl2pPr marL="457200" indent="0">
               <a:buNone/>
@@ -3791,7 +3677,7 @@
         </p:nvSpPr>
         <p:spPr>
           <a:xfrm>
-            <a:off x="1097280" y="5907023"/>
+            <a:off x="1097280" y="5907024"/>
             <a:ext cx="10113264" cy="594360"/>
           </a:xfrm>
         </p:spPr>
@@ -3924,7 +3810,7 @@
     </p:spTree>
     <p:extLst>
       <p:ext uri="{BB962C8B-B14F-4D97-AF65-F5344CB8AC3E}">
-        <p14:creationId xmlns:p14="http://schemas.microsoft.com/office/powerpoint/2010/main" val="984845458"/>
+        <p14:creationId xmlns:p14="http://schemas.microsoft.com/office/powerpoint/2010/main" val="1273723295"/>
       </p:ext>
     </p:extLst>
   </p:cSld>
@@ -4002,8 +3888,8 @@
         </p:nvSpPr>
         <p:spPr>
           <a:xfrm>
-            <a:off x="0" y="6334316"/>
-            <a:ext cx="12192001" cy="65998"/>
+            <a:off x="15" y="6334316"/>
+            <a:ext cx="12191985" cy="66484"/>
           </a:xfrm>
           <a:prstGeom prst="rect">
             <a:avLst/>
@@ -4283,23 +4169,23 @@
     </p:spTree>
     <p:extLst>
       <p:ext uri="{BB962C8B-B14F-4D97-AF65-F5344CB8AC3E}">
-        <p14:creationId xmlns:p14="http://schemas.microsoft.com/office/powerpoint/2010/main" val="2566546434"/>
+        <p14:creationId xmlns:p14="http://schemas.microsoft.com/office/powerpoint/2010/main" val="595946821"/>
       </p:ext>
     </p:extLst>
   </p:cSld>
   <p:clrMap bg1="lt1" tx1="dk1" bg2="lt2" tx2="dk2" accent1="accent1" accent2="accent2" accent3="accent3" accent4="accent4" accent5="accent5" accent6="accent6" hlink="hlink" folHlink="folHlink"/>
   <p:sldLayoutIdLst>
-    <p:sldLayoutId id="2147483724" r:id="rId1"/>
-    <p:sldLayoutId id="2147483725" r:id="rId2"/>
-    <p:sldLayoutId id="2147483726" r:id="rId3"/>
-    <p:sldLayoutId id="2147483727" r:id="rId4"/>
-    <p:sldLayoutId id="2147483728" r:id="rId5"/>
-    <p:sldLayoutId id="2147483729" r:id="rId6"/>
-    <p:sldLayoutId id="2147483730" r:id="rId7"/>
-    <p:sldLayoutId id="2147483731" r:id="rId8"/>
-    <p:sldLayoutId id="2147483732" r:id="rId9"/>
-    <p:sldLayoutId id="2147483733" r:id="rId10"/>
-    <p:sldLayoutId id="2147483734" r:id="rId11"/>
+    <p:sldLayoutId id="2147483760" r:id="rId1"/>
+    <p:sldLayoutId id="2147483761" r:id="rId2"/>
+    <p:sldLayoutId id="2147483762" r:id="rId3"/>
+    <p:sldLayoutId id="2147483763" r:id="rId4"/>
+    <p:sldLayoutId id="2147483764" r:id="rId5"/>
+    <p:sldLayoutId id="2147483765" r:id="rId6"/>
+    <p:sldLayoutId id="2147483766" r:id="rId7"/>
+    <p:sldLayoutId id="2147483767" r:id="rId8"/>
+    <p:sldLayoutId id="2147483768" r:id="rId9"/>
+    <p:sldLayoutId id="2147483769" r:id="rId10"/>
+    <p:sldLayoutId id="2147483770" r:id="rId11"/>
   </p:sldLayoutIdLst>
   <p:txStyles>
     <p:titleStyle>
@@ -4738,36 +4624,20 @@
             </a:br>
             <a:r>
               <a:rPr lang="en-US" dirty="0" smtClean="0"/>
-              <a:t>ECE 6710 Digital </a:t>
-            </a:r>
-            <a:r>
-              <a:rPr lang="en-US" dirty="0" smtClean="0"/>
-              <a:t>VLSI D</a:t>
-            </a:r>
-            <a:r>
-              <a:rPr lang="en-US" dirty="0" smtClean="0"/>
-              <a:t>esign</a:t>
+              <a:t>T.E.S.S.</a:t>
+            </a:r>
+            <a:r>
+              <a:rPr lang="en-US" sz="7300" dirty="0" smtClean="0"/>
+              <a:t/>
             </a:r>
             <a:br>
-              <a:rPr lang="en-US" dirty="0" smtClean="0"/>
+              <a:rPr lang="en-US" sz="7300" dirty="0" smtClean="0"/>
             </a:br>
             <a:r>
-              <a:rPr lang="en-US" dirty="0" smtClean="0"/>
-              <a:t>L</a:t>
-            </a:r>
-            <a:r>
-              <a:rPr lang="en-US" dirty="0" smtClean="0"/>
-              <a:t>ightening </a:t>
-            </a:r>
-            <a:r>
-              <a:rPr lang="en-US" dirty="0"/>
-              <a:t>P</a:t>
-            </a:r>
-            <a:r>
-              <a:rPr lang="en-US" dirty="0" smtClean="0"/>
-              <a:t>resentation</a:t>
-            </a:r>
-            <a:endParaRPr lang="en-US" dirty="0"/>
+              <a:rPr lang="en-US" sz="4000" dirty="0" smtClean="0"/>
+              <a:t>Titan Entertainment Super System</a:t>
+            </a:r>
+            <a:endParaRPr lang="en-US" sz="6000" dirty="0"/>
           </a:p>
         </p:txBody>
       </p:sp>
@@ -4799,11 +4669,7 @@
           <a:p>
             <a:r>
               <a:rPr lang="en-US" dirty="0" smtClean="0"/>
-              <a:t>Steven </a:t>
-            </a:r>
-            <a:r>
-              <a:rPr lang="en-US" dirty="0" smtClean="0"/>
-              <a:t>brown, Andrew Bradbury, Tim grant, </a:t>
+              <a:t>Steven brown, Andrew Bradbury, Tim grant, </a:t>
             </a:r>
             <a:r>
               <a:rPr lang="en-US" dirty="0" err="1" smtClean="0"/>
@@ -4871,70 +4737,176 @@
           <a:p>
             <a:r>
               <a:rPr lang="en-US" dirty="0" smtClean="0"/>
-              <a:t>Overview of Titan</a:t>
-            </a:r>
-            <a:endParaRPr lang="en-US" dirty="0"/>
-          </a:p>
-        </p:txBody>
-      </p:sp>
-      <p:sp>
-        <p:nvSpPr>
-          <p:cNvPr id="3" name="Content Placeholder 2"/>
-          <p:cNvSpPr>
-            <a:spLocks noGrp="1"/>
-          </p:cNvSpPr>
-          <p:nvPr>
-            <p:ph idx="1"/>
-          </p:nvPr>
-        </p:nvSpPr>
-        <p:spPr/>
-        <p:txBody>
-          <a:bodyPr/>
-          <a:lstStyle/>
-          <a:p>
-            <a:r>
-              <a:rPr lang="en-US" dirty="0" smtClean="0"/>
-              <a:t>16 </a:t>
-            </a:r>
-            <a:r>
-              <a:rPr lang="en-US" dirty="0" smtClean="0"/>
-              <a:t>bit microprocessor </a:t>
-            </a:r>
-            <a:endParaRPr lang="en-US" dirty="0" smtClean="0"/>
-          </a:p>
-          <a:p>
-            <a:r>
-              <a:rPr lang="en-US" dirty="0" smtClean="0"/>
-              <a:t>Instruction set architecture modeled after the CR16 microprocessor</a:t>
-            </a:r>
-            <a:endParaRPr lang="en-US" dirty="0" smtClean="0"/>
-          </a:p>
-          <a:p>
-            <a:r>
-              <a:rPr lang="en-US" dirty="0" smtClean="0"/>
-              <a:t>General purpose</a:t>
-            </a:r>
-            <a:endParaRPr lang="en-US" dirty="0" smtClean="0"/>
-          </a:p>
-          <a:p>
-            <a:r>
-              <a:rPr lang="en-US" dirty="0" smtClean="0"/>
-              <a:t>12.5 MHz clock speed</a:t>
-            </a:r>
-          </a:p>
-          <a:p>
-            <a:r>
-              <a:rPr lang="en-US" dirty="0" smtClean="0"/>
-              <a:t>4 TCU’s </a:t>
-            </a:r>
-            <a:r>
-              <a:rPr lang="en-US" dirty="0" smtClean="0"/>
-              <a:t>in size</a:t>
-            </a:r>
-            <a:endParaRPr lang="en-US" dirty="0"/>
-          </a:p>
-        </p:txBody>
-      </p:sp>
+              <a:t>Inspiration</a:t>
+            </a:r>
+            <a:endParaRPr lang="en-US" dirty="0"/>
+          </a:p>
+        </p:txBody>
+      </p:sp>
+      <p:pic>
+        <p:nvPicPr>
+          <p:cNvPr id="4098" name="Picture 2" descr="http://www.racketboy.com/retro/smw-cover.jpg"/>
+          <p:cNvPicPr>
+            <a:picLocks noChangeAspect="1" noChangeArrowheads="1"/>
+          </p:cNvPicPr>
+          <p:nvPr/>
+        </p:nvPicPr>
+        <p:blipFill>
+          <a:blip r:embed="rId3">
+            <a:extLst>
+              <a:ext uri="{28A0092B-C50C-407E-A947-70E740481C1C}">
+                <a14:useLocalDpi xmlns:a14="http://schemas.microsoft.com/office/drawing/2010/main" val="0"/>
+              </a:ext>
+            </a:extLst>
+          </a:blip>
+          <a:srcRect/>
+          <a:stretch>
+            <a:fillRect/>
+          </a:stretch>
+        </p:blipFill>
+        <p:spPr bwMode="auto">
+          <a:xfrm>
+            <a:off x="358726" y="4304779"/>
+            <a:ext cx="2857500" cy="2019301"/>
+          </a:xfrm>
+          <a:prstGeom prst="rect">
+            <a:avLst/>
+          </a:prstGeom>
+          <a:noFill/>
+          <a:extLst>
+            <a:ext uri="{909E8E84-426E-40DD-AFC4-6F175D3DCCD1}">
+              <a14:hiddenFill xmlns:a14="http://schemas.microsoft.com/office/drawing/2010/main">
+                <a:solidFill>
+                  <a:srgbClr val="FFFFFF"/>
+                </a:solidFill>
+              </a14:hiddenFill>
+            </a:ext>
+          </a:extLst>
+        </p:spPr>
+      </p:pic>
+      <p:pic>
+        <p:nvPicPr>
+          <p:cNvPr id="4102" name="Picture 6" descr="Image result for SNES metroid"/>
+          <p:cNvPicPr>
+            <a:picLocks noChangeArrowheads="1"/>
+          </p:cNvPicPr>
+          <p:nvPr/>
+        </p:nvPicPr>
+        <p:blipFill>
+          <a:blip r:embed="rId4">
+            <a:extLst>
+              <a:ext uri="{28A0092B-C50C-407E-A947-70E740481C1C}">
+                <a14:useLocalDpi xmlns:a14="http://schemas.microsoft.com/office/drawing/2010/main" val="0"/>
+              </a:ext>
+            </a:extLst>
+          </a:blip>
+          <a:srcRect/>
+          <a:stretch>
+            <a:fillRect/>
+          </a:stretch>
+        </p:blipFill>
+        <p:spPr bwMode="auto">
+          <a:xfrm>
+            <a:off x="3216226" y="2283955"/>
+            <a:ext cx="2862072" cy="2020824"/>
+          </a:xfrm>
+          <a:prstGeom prst="rect">
+            <a:avLst/>
+          </a:prstGeom>
+          <a:noFill/>
+          <a:extLst>
+            <a:ext uri="{909E8E84-426E-40DD-AFC4-6F175D3DCCD1}">
+              <a14:hiddenFill xmlns:a14="http://schemas.microsoft.com/office/drawing/2010/main">
+                <a:solidFill>
+                  <a:srgbClr val="FFFFFF"/>
+                </a:solidFill>
+              </a14:hiddenFill>
+            </a:ext>
+          </a:extLst>
+        </p:spPr>
+      </p:pic>
+      <p:pic>
+        <p:nvPicPr>
+          <p:cNvPr id="4108" name="Picture 12" descr="Image result for snes zelda"/>
+          <p:cNvPicPr>
+            <a:picLocks noChangeArrowheads="1"/>
+          </p:cNvPicPr>
+          <p:nvPr/>
+        </p:nvPicPr>
+        <p:blipFill>
+          <a:blip r:embed="rId5">
+            <a:extLst>
+              <a:ext uri="{28A0092B-C50C-407E-A947-70E740481C1C}">
+                <a14:useLocalDpi xmlns:a14="http://schemas.microsoft.com/office/drawing/2010/main" val="0"/>
+              </a:ext>
+            </a:extLst>
+          </a:blip>
+          <a:srcRect/>
+          <a:stretch>
+            <a:fillRect/>
+          </a:stretch>
+        </p:blipFill>
+        <p:spPr bwMode="auto">
+          <a:xfrm>
+            <a:off x="6078298" y="4304779"/>
+            <a:ext cx="2862072" cy="2020824"/>
+          </a:xfrm>
+          <a:prstGeom prst="rect">
+            <a:avLst/>
+          </a:prstGeom>
+          <a:noFill/>
+          <a:extLst>
+            <a:ext uri="{909E8E84-426E-40DD-AFC4-6F175D3DCCD1}">
+              <a14:hiddenFill xmlns:a14="http://schemas.microsoft.com/office/drawing/2010/main">
+                <a:solidFill>
+                  <a:srgbClr val="FFFFFF"/>
+                </a:solidFill>
+              </a14:hiddenFill>
+            </a:ext>
+          </a:extLst>
+        </p:spPr>
+      </p:pic>
+      <p:pic>
+        <p:nvPicPr>
+          <p:cNvPr id="4114" name="Picture 18" descr="Image result for snes"/>
+          <p:cNvPicPr>
+            <a:picLocks noChangeArrowheads="1"/>
+          </p:cNvPicPr>
+          <p:nvPr/>
+        </p:nvPicPr>
+        <p:blipFill>
+          <a:blip r:embed="rId6">
+            <a:extLst>
+              <a:ext uri="{28A0092B-C50C-407E-A947-70E740481C1C}">
+                <a14:useLocalDpi xmlns:a14="http://schemas.microsoft.com/office/drawing/2010/main" val="0"/>
+              </a:ext>
+            </a:extLst>
+          </a:blip>
+          <a:srcRect/>
+          <a:stretch>
+            <a:fillRect/>
+          </a:stretch>
+        </p:blipFill>
+        <p:spPr bwMode="auto">
+          <a:xfrm>
+            <a:off x="8935797" y="2283955"/>
+            <a:ext cx="2862072" cy="2020824"/>
+          </a:xfrm>
+          <a:prstGeom prst="rect">
+            <a:avLst/>
+          </a:prstGeom>
+          <a:noFill/>
+          <a:extLst>
+            <a:ext uri="{909E8E84-426E-40DD-AFC4-6F175D3DCCD1}">
+              <a14:hiddenFill xmlns:a14="http://schemas.microsoft.com/office/drawing/2010/main">
+                <a:solidFill>
+                  <a:srgbClr val="FFFFFF"/>
+                </a:solidFill>
+              </a14:hiddenFill>
+            </a:ext>
+          </a:extLst>
+        </p:spPr>
+      </p:pic>
     </p:spTree>
     <p:extLst>
       <p:ext uri="{BB962C8B-B14F-4D97-AF65-F5344CB8AC3E}">
@@ -4948,490 +4920,7 @@
   <p:timing>
     <p:tnLst>
       <p:par>
-        <p:cTn id="1" dur="indefinite" restart="never" nodeType="tmRoot">
-          <p:childTnLst>
-            <p:seq concurrent="1" nextAc="seek">
-              <p:cTn id="2" dur="indefinite" nodeType="mainSeq">
-                <p:childTnLst>
-                  <p:par>
-                    <p:cTn id="3" fill="hold">
-                      <p:stCondLst>
-                        <p:cond delay="indefinite"/>
-                      </p:stCondLst>
-                      <p:childTnLst>
-                        <p:par>
-                          <p:cTn id="4" fill="hold">
-                            <p:stCondLst>
-                              <p:cond delay="0"/>
-                            </p:stCondLst>
-                            <p:childTnLst>
-                              <p:par>
-                                <p:cTn id="5" presetID="42" presetClass="entr" presetSubtype="0" fill="hold" nodeType="clickEffect">
-                                  <p:stCondLst>
-                                    <p:cond delay="0"/>
-                                  </p:stCondLst>
-                                  <p:childTnLst>
-                                    <p:set>
-                                      <p:cBhvr>
-                                        <p:cTn id="6" dur="1" fill="hold">
-                                          <p:stCondLst>
-                                            <p:cond delay="0"/>
-                                          </p:stCondLst>
-                                        </p:cTn>
-                                        <p:tgtEl>
-                                          <p:spTgt spid="3">
-                                            <p:txEl>
-                                              <p:pRg st="1" end="1"/>
-                                            </p:txEl>
-                                          </p:spTgt>
-                                        </p:tgtEl>
-                                        <p:attrNameLst>
-                                          <p:attrName>style.visibility</p:attrName>
-                                        </p:attrNameLst>
-                                      </p:cBhvr>
-                                      <p:to>
-                                        <p:strVal val="visible"/>
-                                      </p:to>
-                                    </p:set>
-                                    <p:animEffect transition="in" filter="fade">
-                                      <p:cBhvr>
-                                        <p:cTn id="7" dur="1000"/>
-                                        <p:tgtEl>
-                                          <p:spTgt spid="3">
-                                            <p:txEl>
-                                              <p:pRg st="1" end="1"/>
-                                            </p:txEl>
-                                          </p:spTgt>
-                                        </p:tgtEl>
-                                      </p:cBhvr>
-                                    </p:animEffect>
-                                    <p:anim calcmode="lin" valueType="num">
-                                      <p:cBhvr>
-                                        <p:cTn id="8" dur="1000" fill="hold"/>
-                                        <p:tgtEl>
-                                          <p:spTgt spid="3">
-                                            <p:txEl>
-                                              <p:pRg st="1" end="1"/>
-                                            </p:txEl>
-                                          </p:spTgt>
-                                        </p:tgtEl>
-                                        <p:attrNameLst>
-                                          <p:attrName>ppt_x</p:attrName>
-                                        </p:attrNameLst>
-                                      </p:cBhvr>
-                                      <p:tavLst>
-                                        <p:tav tm="0">
-                                          <p:val>
-                                            <p:strVal val="#ppt_x"/>
-                                          </p:val>
-                                        </p:tav>
-                                        <p:tav tm="100000">
-                                          <p:val>
-                                            <p:strVal val="#ppt_x"/>
-                                          </p:val>
-                                        </p:tav>
-                                      </p:tavLst>
-                                    </p:anim>
-                                    <p:anim calcmode="lin" valueType="num">
-                                      <p:cBhvr>
-                                        <p:cTn id="9" dur="1000" fill="hold"/>
-                                        <p:tgtEl>
-                                          <p:spTgt spid="3">
-                                            <p:txEl>
-                                              <p:pRg st="1" end="1"/>
-                                            </p:txEl>
-                                          </p:spTgt>
-                                        </p:tgtEl>
-                                        <p:attrNameLst>
-                                          <p:attrName>ppt_y</p:attrName>
-                                        </p:attrNameLst>
-                                      </p:cBhvr>
-                                      <p:tavLst>
-                                        <p:tav tm="0">
-                                          <p:val>
-                                            <p:strVal val="#ppt_y+.1"/>
-                                          </p:val>
-                                        </p:tav>
-                                        <p:tav tm="100000">
-                                          <p:val>
-                                            <p:strVal val="#ppt_y"/>
-                                          </p:val>
-                                        </p:tav>
-                                      </p:tavLst>
-                                    </p:anim>
-                                  </p:childTnLst>
-                                </p:cTn>
-                              </p:par>
-                            </p:childTnLst>
-                          </p:cTn>
-                        </p:par>
-                      </p:childTnLst>
-                    </p:cTn>
-                  </p:par>
-                  <p:par>
-                    <p:cTn id="10" fill="hold">
-                      <p:stCondLst>
-                        <p:cond delay="indefinite"/>
-                      </p:stCondLst>
-                      <p:childTnLst>
-                        <p:par>
-                          <p:cTn id="11" fill="hold">
-                            <p:stCondLst>
-                              <p:cond delay="0"/>
-                            </p:stCondLst>
-                            <p:childTnLst>
-                              <p:par>
-                                <p:cTn id="12" presetID="42" presetClass="entr" presetSubtype="0" fill="hold" nodeType="clickEffect">
-                                  <p:stCondLst>
-                                    <p:cond delay="0"/>
-                                  </p:stCondLst>
-                                  <p:childTnLst>
-                                    <p:set>
-                                      <p:cBhvr>
-                                        <p:cTn id="13" dur="1" fill="hold">
-                                          <p:stCondLst>
-                                            <p:cond delay="0"/>
-                                          </p:stCondLst>
-                                        </p:cTn>
-                                        <p:tgtEl>
-                                          <p:spTgt spid="3">
-                                            <p:txEl>
-                                              <p:pRg st="2" end="2"/>
-                                            </p:txEl>
-                                          </p:spTgt>
-                                        </p:tgtEl>
-                                        <p:attrNameLst>
-                                          <p:attrName>style.visibility</p:attrName>
-                                        </p:attrNameLst>
-                                      </p:cBhvr>
-                                      <p:to>
-                                        <p:strVal val="visible"/>
-                                      </p:to>
-                                    </p:set>
-                                    <p:animEffect transition="in" filter="fade">
-                                      <p:cBhvr>
-                                        <p:cTn id="14" dur="1000"/>
-                                        <p:tgtEl>
-                                          <p:spTgt spid="3">
-                                            <p:txEl>
-                                              <p:pRg st="2" end="2"/>
-                                            </p:txEl>
-                                          </p:spTgt>
-                                        </p:tgtEl>
-                                      </p:cBhvr>
-                                    </p:animEffect>
-                                    <p:anim calcmode="lin" valueType="num">
-                                      <p:cBhvr>
-                                        <p:cTn id="15" dur="1000" fill="hold"/>
-                                        <p:tgtEl>
-                                          <p:spTgt spid="3">
-                                            <p:txEl>
-                                              <p:pRg st="2" end="2"/>
-                                            </p:txEl>
-                                          </p:spTgt>
-                                        </p:tgtEl>
-                                        <p:attrNameLst>
-                                          <p:attrName>ppt_x</p:attrName>
-                                        </p:attrNameLst>
-                                      </p:cBhvr>
-                                      <p:tavLst>
-                                        <p:tav tm="0">
-                                          <p:val>
-                                            <p:strVal val="#ppt_x"/>
-                                          </p:val>
-                                        </p:tav>
-                                        <p:tav tm="100000">
-                                          <p:val>
-                                            <p:strVal val="#ppt_x"/>
-                                          </p:val>
-                                        </p:tav>
-                                      </p:tavLst>
-                                    </p:anim>
-                                    <p:anim calcmode="lin" valueType="num">
-                                      <p:cBhvr>
-                                        <p:cTn id="16" dur="1000" fill="hold"/>
-                                        <p:tgtEl>
-                                          <p:spTgt spid="3">
-                                            <p:txEl>
-                                              <p:pRg st="2" end="2"/>
-                                            </p:txEl>
-                                          </p:spTgt>
-                                        </p:tgtEl>
-                                        <p:attrNameLst>
-                                          <p:attrName>ppt_y</p:attrName>
-                                        </p:attrNameLst>
-                                      </p:cBhvr>
-                                      <p:tavLst>
-                                        <p:tav tm="0">
-                                          <p:val>
-                                            <p:strVal val="#ppt_y+.1"/>
-                                          </p:val>
-                                        </p:tav>
-                                        <p:tav tm="100000">
-                                          <p:val>
-                                            <p:strVal val="#ppt_y"/>
-                                          </p:val>
-                                        </p:tav>
-                                      </p:tavLst>
-                                    </p:anim>
-                                  </p:childTnLst>
-                                </p:cTn>
-                              </p:par>
-                            </p:childTnLst>
-                          </p:cTn>
-                        </p:par>
-                      </p:childTnLst>
-                    </p:cTn>
-                  </p:par>
-                  <p:par>
-                    <p:cTn id="17" fill="hold">
-                      <p:stCondLst>
-                        <p:cond delay="indefinite"/>
-                      </p:stCondLst>
-                      <p:childTnLst>
-                        <p:par>
-                          <p:cTn id="18" fill="hold">
-                            <p:stCondLst>
-                              <p:cond delay="0"/>
-                            </p:stCondLst>
-                            <p:childTnLst>
-                              <p:par>
-                                <p:cTn id="19" presetID="42" presetClass="entr" presetSubtype="0" fill="hold" nodeType="clickEffect">
-                                  <p:stCondLst>
-                                    <p:cond delay="0"/>
-                                  </p:stCondLst>
-                                  <p:childTnLst>
-                                    <p:set>
-                                      <p:cBhvr>
-                                        <p:cTn id="20" dur="1" fill="hold">
-                                          <p:stCondLst>
-                                            <p:cond delay="0"/>
-                                          </p:stCondLst>
-                                        </p:cTn>
-                                        <p:tgtEl>
-                                          <p:spTgt spid="3">
-                                            <p:txEl>
-                                              <p:pRg st="3" end="3"/>
-                                            </p:txEl>
-                                          </p:spTgt>
-                                        </p:tgtEl>
-                                        <p:attrNameLst>
-                                          <p:attrName>style.visibility</p:attrName>
-                                        </p:attrNameLst>
-                                      </p:cBhvr>
-                                      <p:to>
-                                        <p:strVal val="visible"/>
-                                      </p:to>
-                                    </p:set>
-                                    <p:animEffect transition="in" filter="fade">
-                                      <p:cBhvr>
-                                        <p:cTn id="21" dur="1000"/>
-                                        <p:tgtEl>
-                                          <p:spTgt spid="3">
-                                            <p:txEl>
-                                              <p:pRg st="3" end="3"/>
-                                            </p:txEl>
-                                          </p:spTgt>
-                                        </p:tgtEl>
-                                      </p:cBhvr>
-                                    </p:animEffect>
-                                    <p:anim calcmode="lin" valueType="num">
-                                      <p:cBhvr>
-                                        <p:cTn id="22" dur="1000" fill="hold"/>
-                                        <p:tgtEl>
-                                          <p:spTgt spid="3">
-                                            <p:txEl>
-                                              <p:pRg st="3" end="3"/>
-                                            </p:txEl>
-                                          </p:spTgt>
-                                        </p:tgtEl>
-                                        <p:attrNameLst>
-                                          <p:attrName>ppt_x</p:attrName>
-                                        </p:attrNameLst>
-                                      </p:cBhvr>
-                                      <p:tavLst>
-                                        <p:tav tm="0">
-                                          <p:val>
-                                            <p:strVal val="#ppt_x"/>
-                                          </p:val>
-                                        </p:tav>
-                                        <p:tav tm="100000">
-                                          <p:val>
-                                            <p:strVal val="#ppt_x"/>
-                                          </p:val>
-                                        </p:tav>
-                                      </p:tavLst>
-                                    </p:anim>
-                                    <p:anim calcmode="lin" valueType="num">
-                                      <p:cBhvr>
-                                        <p:cTn id="23" dur="1000" fill="hold"/>
-                                        <p:tgtEl>
-                                          <p:spTgt spid="3">
-                                            <p:txEl>
-                                              <p:pRg st="3" end="3"/>
-                                            </p:txEl>
-                                          </p:spTgt>
-                                        </p:tgtEl>
-                                        <p:attrNameLst>
-                                          <p:attrName>ppt_y</p:attrName>
-                                        </p:attrNameLst>
-                                      </p:cBhvr>
-                                      <p:tavLst>
-                                        <p:tav tm="0">
-                                          <p:val>
-                                            <p:strVal val="#ppt_y+.1"/>
-                                          </p:val>
-                                        </p:tav>
-                                        <p:tav tm="100000">
-                                          <p:val>
-                                            <p:strVal val="#ppt_y"/>
-                                          </p:val>
-                                        </p:tav>
-                                      </p:tavLst>
-                                    </p:anim>
-                                  </p:childTnLst>
-                                </p:cTn>
-                              </p:par>
-                            </p:childTnLst>
-                          </p:cTn>
-                        </p:par>
-                      </p:childTnLst>
-                    </p:cTn>
-                  </p:par>
-                  <p:par>
-                    <p:cTn id="24" fill="hold">
-                      <p:stCondLst>
-                        <p:cond delay="indefinite"/>
-                      </p:stCondLst>
-                      <p:childTnLst>
-                        <p:par>
-                          <p:cTn id="25" fill="hold">
-                            <p:stCondLst>
-                              <p:cond delay="0"/>
-                            </p:stCondLst>
-                            <p:childTnLst>
-                              <p:par>
-                                <p:cTn id="26" presetID="42" presetClass="entr" presetSubtype="0" fill="hold" nodeType="clickEffect">
-                                  <p:stCondLst>
-                                    <p:cond delay="0"/>
-                                  </p:stCondLst>
-                                  <p:childTnLst>
-                                    <p:set>
-                                      <p:cBhvr>
-                                        <p:cTn id="27" dur="1" fill="hold">
-                                          <p:stCondLst>
-                                            <p:cond delay="0"/>
-                                          </p:stCondLst>
-                                        </p:cTn>
-                                        <p:tgtEl>
-                                          <p:spTgt spid="3">
-                                            <p:txEl>
-                                              <p:pRg st="4" end="4"/>
-                                            </p:txEl>
-                                          </p:spTgt>
-                                        </p:tgtEl>
-                                        <p:attrNameLst>
-                                          <p:attrName>style.visibility</p:attrName>
-                                        </p:attrNameLst>
-                                      </p:cBhvr>
-                                      <p:to>
-                                        <p:strVal val="visible"/>
-                                      </p:to>
-                                    </p:set>
-                                    <p:animEffect transition="in" filter="fade">
-                                      <p:cBhvr>
-                                        <p:cTn id="28" dur="1000"/>
-                                        <p:tgtEl>
-                                          <p:spTgt spid="3">
-                                            <p:txEl>
-                                              <p:pRg st="4" end="4"/>
-                                            </p:txEl>
-                                          </p:spTgt>
-                                        </p:tgtEl>
-                                      </p:cBhvr>
-                                    </p:animEffect>
-                                    <p:anim calcmode="lin" valueType="num">
-                                      <p:cBhvr>
-                                        <p:cTn id="29" dur="1000" fill="hold"/>
-                                        <p:tgtEl>
-                                          <p:spTgt spid="3">
-                                            <p:txEl>
-                                              <p:pRg st="4" end="4"/>
-                                            </p:txEl>
-                                          </p:spTgt>
-                                        </p:tgtEl>
-                                        <p:attrNameLst>
-                                          <p:attrName>ppt_x</p:attrName>
-                                        </p:attrNameLst>
-                                      </p:cBhvr>
-                                      <p:tavLst>
-                                        <p:tav tm="0">
-                                          <p:val>
-                                            <p:strVal val="#ppt_x"/>
-                                          </p:val>
-                                        </p:tav>
-                                        <p:tav tm="100000">
-                                          <p:val>
-                                            <p:strVal val="#ppt_x"/>
-                                          </p:val>
-                                        </p:tav>
-                                      </p:tavLst>
-                                    </p:anim>
-                                    <p:anim calcmode="lin" valueType="num">
-                                      <p:cBhvr>
-                                        <p:cTn id="30" dur="1000" fill="hold"/>
-                                        <p:tgtEl>
-                                          <p:spTgt spid="3">
-                                            <p:txEl>
-                                              <p:pRg st="4" end="4"/>
-                                            </p:txEl>
-                                          </p:spTgt>
-                                        </p:tgtEl>
-                                        <p:attrNameLst>
-                                          <p:attrName>ppt_y</p:attrName>
-                                        </p:attrNameLst>
-                                      </p:cBhvr>
-                                      <p:tavLst>
-                                        <p:tav tm="0">
-                                          <p:val>
-                                            <p:strVal val="#ppt_y+.1"/>
-                                          </p:val>
-                                        </p:tav>
-                                        <p:tav tm="100000">
-                                          <p:val>
-                                            <p:strVal val="#ppt_y"/>
-                                          </p:val>
-                                        </p:tav>
-                                      </p:tavLst>
-                                    </p:anim>
-                                  </p:childTnLst>
-                                </p:cTn>
-                              </p:par>
-                            </p:childTnLst>
-                          </p:cTn>
-                        </p:par>
-                      </p:childTnLst>
-                    </p:cTn>
-                  </p:par>
-                </p:childTnLst>
-              </p:cTn>
-              <p:prevCondLst>
-                <p:cond evt="onPrev" delay="0">
-                  <p:tgtEl>
-                    <p:sldTgt/>
-                  </p:tgtEl>
-                </p:cond>
-              </p:prevCondLst>
-              <p:nextCondLst>
-                <p:cond evt="onNext" delay="0">
-                  <p:tgtEl>
-                    <p:sldTgt/>
-                  </p:tgtEl>
-                </p:cond>
-              </p:nextCondLst>
-            </p:seq>
-          </p:childTnLst>
-        </p:cTn>
+        <p:cTn id="1" dur="indefinite" restart="never" nodeType="tmRoot"/>
       </p:par>
     </p:tnLst>
   </p:timing>
@@ -5457,84 +4946,347 @@
       </p:grpSpPr>
       <p:sp>
         <p:nvSpPr>
-          <p:cNvPr id="2" name="Title 1"/>
-          <p:cNvSpPr>
-            <a:spLocks noGrp="1"/>
-          </p:cNvSpPr>
-          <p:nvPr>
-            <p:ph type="title"/>
-          </p:nvPr>
-        </p:nvSpPr>
-        <p:spPr/>
+          <p:cNvPr id="6" name="Content Placeholder 2"/>
+          <p:cNvSpPr txBox="1">
+            <a:spLocks/>
+          </p:cNvSpPr>
+          <p:nvPr/>
+        </p:nvSpPr>
+        <p:spPr>
+          <a:xfrm>
+            <a:off x="1246135" y="1886141"/>
+            <a:ext cx="2666646" cy="2460452"/>
+          </a:xfrm>
+          <a:prstGeom prst="rect">
+            <a:avLst/>
+          </a:prstGeom>
+        </p:spPr>
         <p:txBody>
           <a:bodyPr/>
-          <a:lstStyle/>
+          <a:lstStyle>
+            <a:lvl1pPr marL="91440" indent="-91440" algn="l" defTabSz="914400" rtl="0" eaLnBrk="1" latinLnBrk="0" hangingPunct="1">
+              <a:lnSpc>
+                <a:spcPct val="90000"/>
+              </a:lnSpc>
+              <a:spcBef>
+                <a:spcPts val="1200"/>
+              </a:spcBef>
+              <a:spcAft>
+                <a:spcPts val="200"/>
+              </a:spcAft>
+              <a:buClr>
+                <a:schemeClr val="accent1"/>
+              </a:buClr>
+              <a:buSzPct val="100000"/>
+              <a:buFont typeface="Calibri" panose="020F0502020204030204" pitchFamily="34" charset="0"/>
+              <a:buChar char=" "/>
+              <a:defRPr sz="2000" kern="1200">
+                <a:solidFill>
+                  <a:schemeClr val="tx1">
+                    <a:lumMod val="75000"/>
+                    <a:lumOff val="25000"/>
+                  </a:schemeClr>
+                </a:solidFill>
+                <a:latin typeface="+mn-lt"/>
+                <a:ea typeface="+mn-ea"/>
+                <a:cs typeface="+mn-cs"/>
+              </a:defRPr>
+            </a:lvl1pPr>
+            <a:lvl2pPr marL="384048" indent="-182880" algn="l" defTabSz="914400" rtl="0" eaLnBrk="1" latinLnBrk="0" hangingPunct="1">
+              <a:lnSpc>
+                <a:spcPct val="90000"/>
+              </a:lnSpc>
+              <a:spcBef>
+                <a:spcPts val="200"/>
+              </a:spcBef>
+              <a:spcAft>
+                <a:spcPts val="400"/>
+              </a:spcAft>
+              <a:buClr>
+                <a:schemeClr val="accent1"/>
+              </a:buClr>
+              <a:buFont typeface="Calibri" pitchFamily="34" charset="0"/>
+              <a:buChar char="◦"/>
+              <a:defRPr sz="1800" kern="1200">
+                <a:solidFill>
+                  <a:schemeClr val="tx1">
+                    <a:lumMod val="75000"/>
+                    <a:lumOff val="25000"/>
+                  </a:schemeClr>
+                </a:solidFill>
+                <a:latin typeface="+mn-lt"/>
+                <a:ea typeface="+mn-ea"/>
+                <a:cs typeface="+mn-cs"/>
+              </a:defRPr>
+            </a:lvl2pPr>
+            <a:lvl3pPr marL="566928" indent="-182880" algn="l" defTabSz="914400" rtl="0" eaLnBrk="1" latinLnBrk="0" hangingPunct="1">
+              <a:lnSpc>
+                <a:spcPct val="90000"/>
+              </a:lnSpc>
+              <a:spcBef>
+                <a:spcPts val="200"/>
+              </a:spcBef>
+              <a:spcAft>
+                <a:spcPts val="400"/>
+              </a:spcAft>
+              <a:buClr>
+                <a:schemeClr val="accent1"/>
+              </a:buClr>
+              <a:buFont typeface="Calibri" pitchFamily="34" charset="0"/>
+              <a:buChar char="◦"/>
+              <a:defRPr sz="1400" kern="1200">
+                <a:solidFill>
+                  <a:schemeClr val="tx1">
+                    <a:lumMod val="75000"/>
+                    <a:lumOff val="25000"/>
+                  </a:schemeClr>
+                </a:solidFill>
+                <a:latin typeface="+mn-lt"/>
+                <a:ea typeface="+mn-ea"/>
+                <a:cs typeface="+mn-cs"/>
+              </a:defRPr>
+            </a:lvl3pPr>
+            <a:lvl4pPr marL="749808" indent="-182880" algn="l" defTabSz="914400" rtl="0" eaLnBrk="1" latinLnBrk="0" hangingPunct="1">
+              <a:lnSpc>
+                <a:spcPct val="90000"/>
+              </a:lnSpc>
+              <a:spcBef>
+                <a:spcPts val="200"/>
+              </a:spcBef>
+              <a:spcAft>
+                <a:spcPts val="400"/>
+              </a:spcAft>
+              <a:buClr>
+                <a:schemeClr val="accent1"/>
+              </a:buClr>
+              <a:buFont typeface="Calibri" pitchFamily="34" charset="0"/>
+              <a:buChar char="◦"/>
+              <a:defRPr sz="1400" kern="1200">
+                <a:solidFill>
+                  <a:schemeClr val="tx1">
+                    <a:lumMod val="75000"/>
+                    <a:lumOff val="25000"/>
+                  </a:schemeClr>
+                </a:solidFill>
+                <a:latin typeface="+mn-lt"/>
+                <a:ea typeface="+mn-ea"/>
+                <a:cs typeface="+mn-cs"/>
+              </a:defRPr>
+            </a:lvl4pPr>
+            <a:lvl5pPr marL="932688" indent="-182880" algn="l" defTabSz="914400" rtl="0" eaLnBrk="1" latinLnBrk="0" hangingPunct="1">
+              <a:lnSpc>
+                <a:spcPct val="90000"/>
+              </a:lnSpc>
+              <a:spcBef>
+                <a:spcPts val="200"/>
+              </a:spcBef>
+              <a:spcAft>
+                <a:spcPts val="400"/>
+              </a:spcAft>
+              <a:buClr>
+                <a:schemeClr val="accent1"/>
+              </a:buClr>
+              <a:buFont typeface="Calibri" pitchFamily="34" charset="0"/>
+              <a:buChar char="◦"/>
+              <a:defRPr sz="1400" kern="1200">
+                <a:solidFill>
+                  <a:schemeClr val="tx1">
+                    <a:lumMod val="75000"/>
+                    <a:lumOff val="25000"/>
+                  </a:schemeClr>
+                </a:solidFill>
+                <a:latin typeface="+mn-lt"/>
+                <a:ea typeface="+mn-ea"/>
+                <a:cs typeface="+mn-cs"/>
+              </a:defRPr>
+            </a:lvl5pPr>
+            <a:lvl6pPr marL="1100000" indent="-228600" algn="l" defTabSz="914400" rtl="0" eaLnBrk="1" latinLnBrk="0" hangingPunct="1">
+              <a:lnSpc>
+                <a:spcPct val="90000"/>
+              </a:lnSpc>
+              <a:spcBef>
+                <a:spcPts val="200"/>
+              </a:spcBef>
+              <a:spcAft>
+                <a:spcPts val="400"/>
+              </a:spcAft>
+              <a:buClr>
+                <a:schemeClr val="accent1"/>
+              </a:buClr>
+              <a:buFont typeface="Calibri" pitchFamily="34" charset="0"/>
+              <a:buChar char="◦"/>
+              <a:defRPr sz="1400" kern="1200">
+                <a:solidFill>
+                  <a:schemeClr val="tx1">
+                    <a:lumMod val="75000"/>
+                    <a:lumOff val="25000"/>
+                  </a:schemeClr>
+                </a:solidFill>
+                <a:latin typeface="+mn-lt"/>
+                <a:ea typeface="+mn-ea"/>
+                <a:cs typeface="+mn-cs"/>
+              </a:defRPr>
+            </a:lvl6pPr>
+            <a:lvl7pPr marL="1300000" indent="-228600" algn="l" defTabSz="914400" rtl="0" eaLnBrk="1" latinLnBrk="0" hangingPunct="1">
+              <a:lnSpc>
+                <a:spcPct val="90000"/>
+              </a:lnSpc>
+              <a:spcBef>
+                <a:spcPts val="200"/>
+              </a:spcBef>
+              <a:spcAft>
+                <a:spcPts val="400"/>
+              </a:spcAft>
+              <a:buClr>
+                <a:schemeClr val="accent1"/>
+              </a:buClr>
+              <a:buFont typeface="Calibri" pitchFamily="34" charset="0"/>
+              <a:buChar char="◦"/>
+              <a:defRPr sz="1400" kern="1200">
+                <a:solidFill>
+                  <a:schemeClr val="tx1">
+                    <a:lumMod val="75000"/>
+                    <a:lumOff val="25000"/>
+                  </a:schemeClr>
+                </a:solidFill>
+                <a:latin typeface="+mn-lt"/>
+                <a:ea typeface="+mn-ea"/>
+                <a:cs typeface="+mn-cs"/>
+              </a:defRPr>
+            </a:lvl7pPr>
+            <a:lvl8pPr marL="1500000" indent="-228600" algn="l" defTabSz="914400" rtl="0" eaLnBrk="1" latinLnBrk="0" hangingPunct="1">
+              <a:lnSpc>
+                <a:spcPct val="90000"/>
+              </a:lnSpc>
+              <a:spcBef>
+                <a:spcPts val="200"/>
+              </a:spcBef>
+              <a:spcAft>
+                <a:spcPts val="400"/>
+              </a:spcAft>
+              <a:buClr>
+                <a:schemeClr val="accent1"/>
+              </a:buClr>
+              <a:buFont typeface="Calibri" pitchFamily="34" charset="0"/>
+              <a:buChar char="◦"/>
+              <a:defRPr sz="1400" kern="1200">
+                <a:solidFill>
+                  <a:schemeClr val="tx1">
+                    <a:lumMod val="75000"/>
+                    <a:lumOff val="25000"/>
+                  </a:schemeClr>
+                </a:solidFill>
+                <a:latin typeface="+mn-lt"/>
+                <a:ea typeface="+mn-ea"/>
+                <a:cs typeface="+mn-cs"/>
+              </a:defRPr>
+            </a:lvl8pPr>
+            <a:lvl9pPr marL="1700000" indent="-228600" algn="l" defTabSz="914400" rtl="0" eaLnBrk="1" latinLnBrk="0" hangingPunct="1">
+              <a:lnSpc>
+                <a:spcPct val="90000"/>
+              </a:lnSpc>
+              <a:spcBef>
+                <a:spcPts val="200"/>
+              </a:spcBef>
+              <a:spcAft>
+                <a:spcPts val="400"/>
+              </a:spcAft>
+              <a:buClr>
+                <a:schemeClr val="accent1"/>
+              </a:buClr>
+              <a:buFont typeface="Calibri" pitchFamily="34" charset="0"/>
+              <a:buChar char="◦"/>
+              <a:defRPr sz="1400" kern="1200">
+                <a:solidFill>
+                  <a:schemeClr val="tx1">
+                    <a:lumMod val="75000"/>
+                    <a:lumOff val="25000"/>
+                  </a:schemeClr>
+                </a:solidFill>
+                <a:latin typeface="+mn-lt"/>
+                <a:ea typeface="+mn-ea"/>
+                <a:cs typeface="+mn-cs"/>
+              </a:defRPr>
+            </a:lvl9pPr>
+          </a:lstStyle>
           <a:p>
             <a:r>
               <a:rPr lang="en-US" dirty="0" smtClean="0"/>
-              <a:t>Features of Titan</a:t>
-            </a:r>
-            <a:endParaRPr lang="en-US" dirty="0"/>
-          </a:p>
-        </p:txBody>
-      </p:sp>
-      <p:sp>
-        <p:nvSpPr>
-          <p:cNvPr id="3" name="Content Placeholder 2"/>
-          <p:cNvSpPr>
-            <a:spLocks noGrp="1"/>
-          </p:cNvSpPr>
-          <p:nvPr>
-            <p:ph idx="1"/>
-          </p:nvPr>
-        </p:nvSpPr>
-        <p:spPr/>
-        <p:txBody>
-          <a:bodyPr/>
-          <a:lstStyle/>
+              <a:t>16-bit microprocessor </a:t>
+            </a:r>
+          </a:p>
           <a:p>
             <a:r>
               <a:rPr lang="en-US" dirty="0" smtClean="0"/>
-              <a:t>3 bit VGA </a:t>
+              <a:t>CR16 ISA</a:t>
             </a:r>
           </a:p>
           <a:p>
             <a:r>
               <a:rPr lang="en-US" dirty="0" smtClean="0"/>
-              <a:t>I2S Interface to stream audio</a:t>
+              <a:t>General purpose</a:t>
             </a:r>
           </a:p>
           <a:p>
             <a:r>
               <a:rPr lang="en-US" dirty="0" smtClean="0"/>
-              <a:t>“Reprogrammable</a:t>
-            </a:r>
-            <a:r>
-              <a:rPr lang="en-US" dirty="0"/>
-              <a:t>”</a:t>
+              <a:t>12.5 MHz clock speed</a:t>
             </a:r>
           </a:p>
           <a:p>
             <a:r>
               <a:rPr lang="en-US" dirty="0" smtClean="0"/>
-              <a:t>Off-chip memory</a:t>
-            </a:r>
-          </a:p>
-          <a:p>
-            <a:r>
-              <a:rPr lang="en-US" dirty="0" smtClean="0"/>
-              <a:t>External access to ALU flag and FSM state bits for testing</a:t>
-            </a:r>
-          </a:p>
-          <a:p>
-            <a:endParaRPr lang="en-US" dirty="0"/>
-          </a:p>
-        </p:txBody>
-      </p:sp>
+              <a:t>4 TCU’s in size</a:t>
+            </a:r>
+            <a:endParaRPr lang="en-US" dirty="0"/>
+          </a:p>
+        </p:txBody>
+      </p:sp>
+      <p:pic>
+        <p:nvPicPr>
+          <p:cNvPr id="1026" name="Picture 2" descr="https://documents.lucidchart.com/documents/bf37697a-b411-4d3a-afcc-c70b45ea7d76/pages/0_0?a=2122&amp;x=36&amp;y=65&amp;w=968&amp;h=770&amp;store=1&amp;accept=image%2F*&amp;auth=LCA%209c09f7d3558e5b1800dd5288e81762a6db821ddd-ts%3D1449510965"/>
+          <p:cNvPicPr>
+            <a:picLocks noChangeAspect="1" noChangeArrowheads="1"/>
+          </p:cNvPicPr>
+          <p:nvPr/>
+        </p:nvPicPr>
+        <p:blipFill>
+          <a:blip r:embed="rId3">
+            <a:extLst>
+              <a:ext uri="{28A0092B-C50C-407E-A947-70E740481C1C}">
+                <a14:useLocalDpi xmlns:a14="http://schemas.microsoft.com/office/drawing/2010/main" val="0"/>
+              </a:ext>
+            </a:extLst>
+          </a:blip>
+          <a:srcRect/>
+          <a:stretch>
+            <a:fillRect/>
+          </a:stretch>
+        </p:blipFill>
+        <p:spPr bwMode="auto">
+          <a:xfrm>
+            <a:off x="3912781" y="363641"/>
+            <a:ext cx="6915150" cy="5505451"/>
+          </a:xfrm>
+          <a:prstGeom prst="rect">
+            <a:avLst/>
+          </a:prstGeom>
+          <a:noFill/>
+          <a:extLst>
+            <a:ext uri="{909E8E84-426E-40DD-AFC4-6F175D3DCCD1}">
+              <a14:hiddenFill xmlns:a14="http://schemas.microsoft.com/office/drawing/2010/main">
+                <a:solidFill>
+                  <a:srgbClr val="FFFFFF"/>
+                </a:solidFill>
+              </a14:hiddenFill>
+            </a:ext>
+          </a:extLst>
+        </p:spPr>
+      </p:pic>
     </p:spTree>
     <p:extLst>
       <p:ext uri="{BB962C8B-B14F-4D97-AF65-F5344CB8AC3E}">
-        <p14:creationId xmlns:p14="http://schemas.microsoft.com/office/powerpoint/2010/main" val="615086689"/>
+        <p14:creationId xmlns:p14="http://schemas.microsoft.com/office/powerpoint/2010/main" val="882854329"/>
       </p:ext>
     </p:extLst>
   </p:cSld>
@@ -5544,490 +5296,7 @@
   <p:timing>
     <p:tnLst>
       <p:par>
-        <p:cTn id="1" dur="indefinite" restart="never" nodeType="tmRoot">
-          <p:childTnLst>
-            <p:seq concurrent="1" nextAc="seek">
-              <p:cTn id="2" dur="indefinite" nodeType="mainSeq">
-                <p:childTnLst>
-                  <p:par>
-                    <p:cTn id="3" fill="hold">
-                      <p:stCondLst>
-                        <p:cond delay="indefinite"/>
-                      </p:stCondLst>
-                      <p:childTnLst>
-                        <p:par>
-                          <p:cTn id="4" fill="hold">
-                            <p:stCondLst>
-                              <p:cond delay="0"/>
-                            </p:stCondLst>
-                            <p:childTnLst>
-                              <p:par>
-                                <p:cTn id="5" presetID="42" presetClass="entr" presetSubtype="0" fill="hold" nodeType="clickEffect">
-                                  <p:stCondLst>
-                                    <p:cond delay="0"/>
-                                  </p:stCondLst>
-                                  <p:childTnLst>
-                                    <p:set>
-                                      <p:cBhvr>
-                                        <p:cTn id="6" dur="1" fill="hold">
-                                          <p:stCondLst>
-                                            <p:cond delay="0"/>
-                                          </p:stCondLst>
-                                        </p:cTn>
-                                        <p:tgtEl>
-                                          <p:spTgt spid="3">
-                                            <p:txEl>
-                                              <p:pRg st="1" end="1"/>
-                                            </p:txEl>
-                                          </p:spTgt>
-                                        </p:tgtEl>
-                                        <p:attrNameLst>
-                                          <p:attrName>style.visibility</p:attrName>
-                                        </p:attrNameLst>
-                                      </p:cBhvr>
-                                      <p:to>
-                                        <p:strVal val="visible"/>
-                                      </p:to>
-                                    </p:set>
-                                    <p:animEffect transition="in" filter="fade">
-                                      <p:cBhvr>
-                                        <p:cTn id="7" dur="1000"/>
-                                        <p:tgtEl>
-                                          <p:spTgt spid="3">
-                                            <p:txEl>
-                                              <p:pRg st="1" end="1"/>
-                                            </p:txEl>
-                                          </p:spTgt>
-                                        </p:tgtEl>
-                                      </p:cBhvr>
-                                    </p:animEffect>
-                                    <p:anim calcmode="lin" valueType="num">
-                                      <p:cBhvr>
-                                        <p:cTn id="8" dur="1000" fill="hold"/>
-                                        <p:tgtEl>
-                                          <p:spTgt spid="3">
-                                            <p:txEl>
-                                              <p:pRg st="1" end="1"/>
-                                            </p:txEl>
-                                          </p:spTgt>
-                                        </p:tgtEl>
-                                        <p:attrNameLst>
-                                          <p:attrName>ppt_x</p:attrName>
-                                        </p:attrNameLst>
-                                      </p:cBhvr>
-                                      <p:tavLst>
-                                        <p:tav tm="0">
-                                          <p:val>
-                                            <p:strVal val="#ppt_x"/>
-                                          </p:val>
-                                        </p:tav>
-                                        <p:tav tm="100000">
-                                          <p:val>
-                                            <p:strVal val="#ppt_x"/>
-                                          </p:val>
-                                        </p:tav>
-                                      </p:tavLst>
-                                    </p:anim>
-                                    <p:anim calcmode="lin" valueType="num">
-                                      <p:cBhvr>
-                                        <p:cTn id="9" dur="1000" fill="hold"/>
-                                        <p:tgtEl>
-                                          <p:spTgt spid="3">
-                                            <p:txEl>
-                                              <p:pRg st="1" end="1"/>
-                                            </p:txEl>
-                                          </p:spTgt>
-                                        </p:tgtEl>
-                                        <p:attrNameLst>
-                                          <p:attrName>ppt_y</p:attrName>
-                                        </p:attrNameLst>
-                                      </p:cBhvr>
-                                      <p:tavLst>
-                                        <p:tav tm="0">
-                                          <p:val>
-                                            <p:strVal val="#ppt_y+.1"/>
-                                          </p:val>
-                                        </p:tav>
-                                        <p:tav tm="100000">
-                                          <p:val>
-                                            <p:strVal val="#ppt_y"/>
-                                          </p:val>
-                                        </p:tav>
-                                      </p:tavLst>
-                                    </p:anim>
-                                  </p:childTnLst>
-                                </p:cTn>
-                              </p:par>
-                            </p:childTnLst>
-                          </p:cTn>
-                        </p:par>
-                      </p:childTnLst>
-                    </p:cTn>
-                  </p:par>
-                  <p:par>
-                    <p:cTn id="10" fill="hold">
-                      <p:stCondLst>
-                        <p:cond delay="indefinite"/>
-                      </p:stCondLst>
-                      <p:childTnLst>
-                        <p:par>
-                          <p:cTn id="11" fill="hold">
-                            <p:stCondLst>
-                              <p:cond delay="0"/>
-                            </p:stCondLst>
-                            <p:childTnLst>
-                              <p:par>
-                                <p:cTn id="12" presetID="42" presetClass="entr" presetSubtype="0" fill="hold" nodeType="clickEffect">
-                                  <p:stCondLst>
-                                    <p:cond delay="0"/>
-                                  </p:stCondLst>
-                                  <p:childTnLst>
-                                    <p:set>
-                                      <p:cBhvr>
-                                        <p:cTn id="13" dur="1" fill="hold">
-                                          <p:stCondLst>
-                                            <p:cond delay="0"/>
-                                          </p:stCondLst>
-                                        </p:cTn>
-                                        <p:tgtEl>
-                                          <p:spTgt spid="3">
-                                            <p:txEl>
-                                              <p:pRg st="2" end="2"/>
-                                            </p:txEl>
-                                          </p:spTgt>
-                                        </p:tgtEl>
-                                        <p:attrNameLst>
-                                          <p:attrName>style.visibility</p:attrName>
-                                        </p:attrNameLst>
-                                      </p:cBhvr>
-                                      <p:to>
-                                        <p:strVal val="visible"/>
-                                      </p:to>
-                                    </p:set>
-                                    <p:animEffect transition="in" filter="fade">
-                                      <p:cBhvr>
-                                        <p:cTn id="14" dur="1000"/>
-                                        <p:tgtEl>
-                                          <p:spTgt spid="3">
-                                            <p:txEl>
-                                              <p:pRg st="2" end="2"/>
-                                            </p:txEl>
-                                          </p:spTgt>
-                                        </p:tgtEl>
-                                      </p:cBhvr>
-                                    </p:animEffect>
-                                    <p:anim calcmode="lin" valueType="num">
-                                      <p:cBhvr>
-                                        <p:cTn id="15" dur="1000" fill="hold"/>
-                                        <p:tgtEl>
-                                          <p:spTgt spid="3">
-                                            <p:txEl>
-                                              <p:pRg st="2" end="2"/>
-                                            </p:txEl>
-                                          </p:spTgt>
-                                        </p:tgtEl>
-                                        <p:attrNameLst>
-                                          <p:attrName>ppt_x</p:attrName>
-                                        </p:attrNameLst>
-                                      </p:cBhvr>
-                                      <p:tavLst>
-                                        <p:tav tm="0">
-                                          <p:val>
-                                            <p:strVal val="#ppt_x"/>
-                                          </p:val>
-                                        </p:tav>
-                                        <p:tav tm="100000">
-                                          <p:val>
-                                            <p:strVal val="#ppt_x"/>
-                                          </p:val>
-                                        </p:tav>
-                                      </p:tavLst>
-                                    </p:anim>
-                                    <p:anim calcmode="lin" valueType="num">
-                                      <p:cBhvr>
-                                        <p:cTn id="16" dur="1000" fill="hold"/>
-                                        <p:tgtEl>
-                                          <p:spTgt spid="3">
-                                            <p:txEl>
-                                              <p:pRg st="2" end="2"/>
-                                            </p:txEl>
-                                          </p:spTgt>
-                                        </p:tgtEl>
-                                        <p:attrNameLst>
-                                          <p:attrName>ppt_y</p:attrName>
-                                        </p:attrNameLst>
-                                      </p:cBhvr>
-                                      <p:tavLst>
-                                        <p:tav tm="0">
-                                          <p:val>
-                                            <p:strVal val="#ppt_y+.1"/>
-                                          </p:val>
-                                        </p:tav>
-                                        <p:tav tm="100000">
-                                          <p:val>
-                                            <p:strVal val="#ppt_y"/>
-                                          </p:val>
-                                        </p:tav>
-                                      </p:tavLst>
-                                    </p:anim>
-                                  </p:childTnLst>
-                                </p:cTn>
-                              </p:par>
-                            </p:childTnLst>
-                          </p:cTn>
-                        </p:par>
-                      </p:childTnLst>
-                    </p:cTn>
-                  </p:par>
-                  <p:par>
-                    <p:cTn id="17" fill="hold">
-                      <p:stCondLst>
-                        <p:cond delay="indefinite"/>
-                      </p:stCondLst>
-                      <p:childTnLst>
-                        <p:par>
-                          <p:cTn id="18" fill="hold">
-                            <p:stCondLst>
-                              <p:cond delay="0"/>
-                            </p:stCondLst>
-                            <p:childTnLst>
-                              <p:par>
-                                <p:cTn id="19" presetID="42" presetClass="entr" presetSubtype="0" fill="hold" nodeType="clickEffect">
-                                  <p:stCondLst>
-                                    <p:cond delay="0"/>
-                                  </p:stCondLst>
-                                  <p:childTnLst>
-                                    <p:set>
-                                      <p:cBhvr>
-                                        <p:cTn id="20" dur="1" fill="hold">
-                                          <p:stCondLst>
-                                            <p:cond delay="0"/>
-                                          </p:stCondLst>
-                                        </p:cTn>
-                                        <p:tgtEl>
-                                          <p:spTgt spid="3">
-                                            <p:txEl>
-                                              <p:pRg st="3" end="3"/>
-                                            </p:txEl>
-                                          </p:spTgt>
-                                        </p:tgtEl>
-                                        <p:attrNameLst>
-                                          <p:attrName>style.visibility</p:attrName>
-                                        </p:attrNameLst>
-                                      </p:cBhvr>
-                                      <p:to>
-                                        <p:strVal val="visible"/>
-                                      </p:to>
-                                    </p:set>
-                                    <p:animEffect transition="in" filter="fade">
-                                      <p:cBhvr>
-                                        <p:cTn id="21" dur="1000"/>
-                                        <p:tgtEl>
-                                          <p:spTgt spid="3">
-                                            <p:txEl>
-                                              <p:pRg st="3" end="3"/>
-                                            </p:txEl>
-                                          </p:spTgt>
-                                        </p:tgtEl>
-                                      </p:cBhvr>
-                                    </p:animEffect>
-                                    <p:anim calcmode="lin" valueType="num">
-                                      <p:cBhvr>
-                                        <p:cTn id="22" dur="1000" fill="hold"/>
-                                        <p:tgtEl>
-                                          <p:spTgt spid="3">
-                                            <p:txEl>
-                                              <p:pRg st="3" end="3"/>
-                                            </p:txEl>
-                                          </p:spTgt>
-                                        </p:tgtEl>
-                                        <p:attrNameLst>
-                                          <p:attrName>ppt_x</p:attrName>
-                                        </p:attrNameLst>
-                                      </p:cBhvr>
-                                      <p:tavLst>
-                                        <p:tav tm="0">
-                                          <p:val>
-                                            <p:strVal val="#ppt_x"/>
-                                          </p:val>
-                                        </p:tav>
-                                        <p:tav tm="100000">
-                                          <p:val>
-                                            <p:strVal val="#ppt_x"/>
-                                          </p:val>
-                                        </p:tav>
-                                      </p:tavLst>
-                                    </p:anim>
-                                    <p:anim calcmode="lin" valueType="num">
-                                      <p:cBhvr>
-                                        <p:cTn id="23" dur="1000" fill="hold"/>
-                                        <p:tgtEl>
-                                          <p:spTgt spid="3">
-                                            <p:txEl>
-                                              <p:pRg st="3" end="3"/>
-                                            </p:txEl>
-                                          </p:spTgt>
-                                        </p:tgtEl>
-                                        <p:attrNameLst>
-                                          <p:attrName>ppt_y</p:attrName>
-                                        </p:attrNameLst>
-                                      </p:cBhvr>
-                                      <p:tavLst>
-                                        <p:tav tm="0">
-                                          <p:val>
-                                            <p:strVal val="#ppt_y+.1"/>
-                                          </p:val>
-                                        </p:tav>
-                                        <p:tav tm="100000">
-                                          <p:val>
-                                            <p:strVal val="#ppt_y"/>
-                                          </p:val>
-                                        </p:tav>
-                                      </p:tavLst>
-                                    </p:anim>
-                                  </p:childTnLst>
-                                </p:cTn>
-                              </p:par>
-                            </p:childTnLst>
-                          </p:cTn>
-                        </p:par>
-                      </p:childTnLst>
-                    </p:cTn>
-                  </p:par>
-                  <p:par>
-                    <p:cTn id="24" fill="hold">
-                      <p:stCondLst>
-                        <p:cond delay="indefinite"/>
-                      </p:stCondLst>
-                      <p:childTnLst>
-                        <p:par>
-                          <p:cTn id="25" fill="hold">
-                            <p:stCondLst>
-                              <p:cond delay="0"/>
-                            </p:stCondLst>
-                            <p:childTnLst>
-                              <p:par>
-                                <p:cTn id="26" presetID="42" presetClass="entr" presetSubtype="0" fill="hold" nodeType="clickEffect">
-                                  <p:stCondLst>
-                                    <p:cond delay="0"/>
-                                  </p:stCondLst>
-                                  <p:childTnLst>
-                                    <p:set>
-                                      <p:cBhvr>
-                                        <p:cTn id="27" dur="1" fill="hold">
-                                          <p:stCondLst>
-                                            <p:cond delay="0"/>
-                                          </p:stCondLst>
-                                        </p:cTn>
-                                        <p:tgtEl>
-                                          <p:spTgt spid="3">
-                                            <p:txEl>
-                                              <p:pRg st="4" end="4"/>
-                                            </p:txEl>
-                                          </p:spTgt>
-                                        </p:tgtEl>
-                                        <p:attrNameLst>
-                                          <p:attrName>style.visibility</p:attrName>
-                                        </p:attrNameLst>
-                                      </p:cBhvr>
-                                      <p:to>
-                                        <p:strVal val="visible"/>
-                                      </p:to>
-                                    </p:set>
-                                    <p:animEffect transition="in" filter="fade">
-                                      <p:cBhvr>
-                                        <p:cTn id="28" dur="1000"/>
-                                        <p:tgtEl>
-                                          <p:spTgt spid="3">
-                                            <p:txEl>
-                                              <p:pRg st="4" end="4"/>
-                                            </p:txEl>
-                                          </p:spTgt>
-                                        </p:tgtEl>
-                                      </p:cBhvr>
-                                    </p:animEffect>
-                                    <p:anim calcmode="lin" valueType="num">
-                                      <p:cBhvr>
-                                        <p:cTn id="29" dur="1000" fill="hold"/>
-                                        <p:tgtEl>
-                                          <p:spTgt spid="3">
-                                            <p:txEl>
-                                              <p:pRg st="4" end="4"/>
-                                            </p:txEl>
-                                          </p:spTgt>
-                                        </p:tgtEl>
-                                        <p:attrNameLst>
-                                          <p:attrName>ppt_x</p:attrName>
-                                        </p:attrNameLst>
-                                      </p:cBhvr>
-                                      <p:tavLst>
-                                        <p:tav tm="0">
-                                          <p:val>
-                                            <p:strVal val="#ppt_x"/>
-                                          </p:val>
-                                        </p:tav>
-                                        <p:tav tm="100000">
-                                          <p:val>
-                                            <p:strVal val="#ppt_x"/>
-                                          </p:val>
-                                        </p:tav>
-                                      </p:tavLst>
-                                    </p:anim>
-                                    <p:anim calcmode="lin" valueType="num">
-                                      <p:cBhvr>
-                                        <p:cTn id="30" dur="1000" fill="hold"/>
-                                        <p:tgtEl>
-                                          <p:spTgt spid="3">
-                                            <p:txEl>
-                                              <p:pRg st="4" end="4"/>
-                                            </p:txEl>
-                                          </p:spTgt>
-                                        </p:tgtEl>
-                                        <p:attrNameLst>
-                                          <p:attrName>ppt_y</p:attrName>
-                                        </p:attrNameLst>
-                                      </p:cBhvr>
-                                      <p:tavLst>
-                                        <p:tav tm="0">
-                                          <p:val>
-                                            <p:strVal val="#ppt_y+.1"/>
-                                          </p:val>
-                                        </p:tav>
-                                        <p:tav tm="100000">
-                                          <p:val>
-                                            <p:strVal val="#ppt_y"/>
-                                          </p:val>
-                                        </p:tav>
-                                      </p:tavLst>
-                                    </p:anim>
-                                  </p:childTnLst>
-                                </p:cTn>
-                              </p:par>
-                            </p:childTnLst>
-                          </p:cTn>
-                        </p:par>
-                      </p:childTnLst>
-                    </p:cTn>
-                  </p:par>
-                </p:childTnLst>
-              </p:cTn>
-              <p:prevCondLst>
-                <p:cond evt="onPrev" delay="0">
-                  <p:tgtEl>
-                    <p:sldTgt/>
-                  </p:tgtEl>
-                </p:cond>
-              </p:prevCondLst>
-              <p:nextCondLst>
-                <p:cond evt="onNext" delay="0">
-                  <p:tgtEl>
-                    <p:sldTgt/>
-                  </p:tgtEl>
-                </p:cond>
-              </p:nextCondLst>
-            </p:seq>
-          </p:childTnLst>
-        </p:cTn>
+        <p:cTn id="1" dur="indefinite" restart="never" nodeType="tmRoot"/>
       </p:par>
     </p:tnLst>
   </p:timing>
@@ -6053,7 +5322,7 @@
       </p:grpSpPr>
       <p:pic>
         <p:nvPicPr>
-          <p:cNvPr id="2050" name="Picture 2" descr="https://documents.lucidchart.com/documents/117d4369-5faf-4dee-8078-490c3d7673d6/pages/k6OtxLzFPb4r?a=16349&amp;x=317&amp;y=-57&amp;w=2995&amp;h=2230&amp;store=1&amp;accept=image%2F*&amp;auth=LCA%205b0f9c9e85d43b629916dff467d51f835ea66623-ts%3D1449511629"/>
+          <p:cNvPr id="2" name="Picture 2" descr="https://documents.lucidchart.com/documents/117d4369-5faf-4dee-8078-490c3d7673d6/pages/k6OtxLzFPb4r?a=16392&amp;x=317&amp;y=-57&amp;w=2995&amp;h=2230&amp;store=1&amp;accept=image%2F*&amp;auth=LCA%203bde938bef7dbef168d5149223d8bbf5d443547c-ts%3D1449511629"/>
           <p:cNvPicPr>
             <a:picLocks noChangeAspect="1" noChangeArrowheads="1"/>
           </p:cNvPicPr>
@@ -6074,8 +5343,8 @@
         </p:blipFill>
         <p:spPr bwMode="auto">
           <a:xfrm>
-            <a:off x="0" y="0"/>
-            <a:ext cx="12192000" cy="6331352"/>
+            <a:off x="1" y="1"/>
+            <a:ext cx="12192000" cy="6431280"/>
           </a:xfrm>
           <a:prstGeom prst="rect">
             <a:avLst/>
@@ -6105,86 +5374,7 @@
   <p:timing>
     <p:tnLst>
       <p:par>
-        <p:cTn id="1" dur="indefinite" restart="never" nodeType="tmRoot">
-          <p:childTnLst>
-            <p:seq concurrent="1" nextAc="seek">
-              <p:cTn id="2" dur="indefinite" nodeType="mainSeq">
-                <p:childTnLst>
-                  <p:par>
-                    <p:cTn id="3" fill="hold">
-                      <p:stCondLst>
-                        <p:cond delay="indefinite"/>
-                        <p:cond evt="onBegin" delay="0">
-                          <p:tn val="2"/>
-                        </p:cond>
-                      </p:stCondLst>
-                      <p:childTnLst>
-                        <p:par>
-                          <p:cTn id="4" fill="hold">
-                            <p:stCondLst>
-                              <p:cond delay="0"/>
-                            </p:stCondLst>
-                            <p:childTnLst>
-                              <p:par>
-                                <p:cTn id="5" presetID="10" presetClass="entr" presetSubtype="0" fill="hold" nodeType="afterEffect">
-                                  <p:stCondLst>
-                                    <p:cond delay="0"/>
-                                  </p:stCondLst>
-                                  <p:childTnLst>
-                                    <p:set>
-                                      <p:cBhvr>
-                                        <p:cTn id="6" dur="1" fill="hold">
-                                          <p:stCondLst>
-                                            <p:cond delay="0"/>
-                                          </p:stCondLst>
-                                        </p:cTn>
-                                        <p:tgtEl>
-                                          <p:spTgt spid="2050"/>
-                                        </p:tgtEl>
-                                        <p:attrNameLst>
-                                          <p:attrName>style.visibility</p:attrName>
-                                        </p:attrNameLst>
-                                      </p:cBhvr>
-                                      <p:to>
-                                        <p:strVal val="visible"/>
-                                      </p:to>
-                                    </p:set>
-                                    <p:animEffect transition="in" filter="fade">
-                                      <p:cBhvr>
-                                        <p:cTn id="7" dur="500"/>
-                                        <p:tgtEl>
-                                          <p:spTgt spid="2050"/>
-                                        </p:tgtEl>
-                                      </p:cBhvr>
-                                    </p:animEffect>
-                                  </p:childTnLst>
-                                </p:cTn>
-                              </p:par>
-                            </p:childTnLst>
-                          </p:cTn>
-                        </p:par>
-                      </p:childTnLst>
-                    </p:cTn>
-                  </p:par>
-                </p:childTnLst>
-              </p:cTn>
-              <p:prevCondLst>
-                <p:cond evt="onPrev" delay="0">
-                  <p:tgtEl>
-                    <p:sldTgt/>
-                  </p:tgtEl>
-                </p:cond>
-              </p:prevCondLst>
-              <p:nextCondLst>
-                <p:cond evt="onNext" delay="0">
-                  <p:tgtEl>
-                    <p:sldTgt/>
-                  </p:tgtEl>
-                </p:cond>
-              </p:nextCondLst>
-            </p:seq>
-          </p:childTnLst>
-        </p:cTn>
+        <p:cTn id="1" dur="indefinite" restart="never" nodeType="tmRoot"/>
       </p:par>
     </p:tnLst>
   </p:timing>
@@ -6245,163 +5435,6 @@
           <a:chExt cx="0" cy="0"/>
         </a:xfrm>
       </p:grpSpPr>
-      <p:pic>
-        <p:nvPicPr>
-          <p:cNvPr id="2" name="Picture 2" descr="https://documents.lucidchart.com/documents/bf37697a-b411-4d3a-afcc-c70b45ea7d76/pages/0_0?a=2107&amp;x=36&amp;y=65&amp;w=968&amp;h=770&amp;store=1&amp;accept=image%2F*&amp;auth=LCA%20c06f29968481854c0c5142f7545c8416f49d870b-ts%3D1449510965"/>
-          <p:cNvPicPr>
-            <a:picLocks noChangeAspect="1" noChangeArrowheads="1"/>
-          </p:cNvPicPr>
-          <p:nvPr/>
-        </p:nvPicPr>
-        <p:blipFill>
-          <a:blip r:embed="rId3">
-            <a:extLst>
-              <a:ext uri="{28A0092B-C50C-407E-A947-70E740481C1C}">
-                <a14:useLocalDpi xmlns:a14="http://schemas.microsoft.com/office/drawing/2010/main" val="0"/>
-              </a:ext>
-            </a:extLst>
-          </a:blip>
-          <a:srcRect/>
-          <a:stretch>
-            <a:fillRect/>
-          </a:stretch>
-        </p:blipFill>
-        <p:spPr bwMode="auto">
-          <a:xfrm>
-            <a:off x="2407070" y="379562"/>
-            <a:ext cx="6915150" cy="5505451"/>
-          </a:xfrm>
-          <a:prstGeom prst="rect">
-            <a:avLst/>
-          </a:prstGeom>
-          <a:noFill/>
-          <a:extLst>
-            <a:ext uri="{909E8E84-426E-40DD-AFC4-6F175D3DCCD1}">
-              <a14:hiddenFill xmlns:a14="http://schemas.microsoft.com/office/drawing/2010/main">
-                <a:solidFill>
-                  <a:srgbClr val="FFFFFF"/>
-                </a:solidFill>
-              </a14:hiddenFill>
-            </a:ext>
-          </a:extLst>
-        </p:spPr>
-      </p:pic>
-    </p:spTree>
-    <p:extLst>
-      <p:ext uri="{BB962C8B-B14F-4D97-AF65-F5344CB8AC3E}">
-        <p14:creationId xmlns:p14="http://schemas.microsoft.com/office/powerpoint/2010/main" val="882854329"/>
-      </p:ext>
-    </p:extLst>
-  </p:cSld>
-  <p:clrMapOvr>
-    <a:masterClrMapping/>
-  </p:clrMapOvr>
-  <p:timing>
-    <p:tnLst>
-      <p:par>
-        <p:cTn id="1" dur="indefinite" restart="never" nodeType="tmRoot">
-          <p:childTnLst>
-            <p:seq concurrent="1" nextAc="seek">
-              <p:cTn id="2" dur="indefinite" nodeType="mainSeq">
-                <p:childTnLst>
-                  <p:par>
-                    <p:cTn id="3" fill="hold">
-                      <p:stCondLst>
-                        <p:cond delay="indefinite"/>
-                        <p:cond evt="onBegin" delay="0">
-                          <p:tn val="2"/>
-                        </p:cond>
-                      </p:stCondLst>
-                      <p:childTnLst>
-                        <p:par>
-                          <p:cTn id="4" fill="hold">
-                            <p:stCondLst>
-                              <p:cond delay="0"/>
-                            </p:stCondLst>
-                            <p:childTnLst>
-                              <p:par>
-                                <p:cTn id="5" presetID="10" presetClass="entr" presetSubtype="0" fill="hold" nodeType="afterEffect">
-                                  <p:stCondLst>
-                                    <p:cond delay="0"/>
-                                  </p:stCondLst>
-                                  <p:childTnLst>
-                                    <p:set>
-                                      <p:cBhvr>
-                                        <p:cTn id="6" dur="1" fill="hold">
-                                          <p:stCondLst>
-                                            <p:cond delay="0"/>
-                                          </p:stCondLst>
-                                        </p:cTn>
-                                        <p:tgtEl>
-                                          <p:spTgt spid="2"/>
-                                        </p:tgtEl>
-                                        <p:attrNameLst>
-                                          <p:attrName>style.visibility</p:attrName>
-                                        </p:attrNameLst>
-                                      </p:cBhvr>
-                                      <p:to>
-                                        <p:strVal val="visible"/>
-                                      </p:to>
-                                    </p:set>
-                                    <p:animEffect transition="in" filter="fade">
-                                      <p:cBhvr>
-                                        <p:cTn id="7" dur="500"/>
-                                        <p:tgtEl>
-                                          <p:spTgt spid="2"/>
-                                        </p:tgtEl>
-                                      </p:cBhvr>
-                                    </p:animEffect>
-                                  </p:childTnLst>
-                                </p:cTn>
-                              </p:par>
-                            </p:childTnLst>
-                          </p:cTn>
-                        </p:par>
-                      </p:childTnLst>
-                    </p:cTn>
-                  </p:par>
-                </p:childTnLst>
-              </p:cTn>
-              <p:prevCondLst>
-                <p:cond evt="onPrev" delay="0">
-                  <p:tgtEl>
-                    <p:sldTgt/>
-                  </p:tgtEl>
-                </p:cond>
-              </p:prevCondLst>
-              <p:nextCondLst>
-                <p:cond evt="onNext" delay="0">
-                  <p:tgtEl>
-                    <p:sldTgt/>
-                  </p:tgtEl>
-                </p:cond>
-              </p:nextCondLst>
-            </p:seq>
-          </p:childTnLst>
-        </p:cTn>
-      </p:par>
-    </p:tnLst>
-  </p:timing>
-</p:sld>
-</file>
-
-<file path=ppt/slides/slide7.xml><?xml version="1.0" encoding="utf-8"?>
-<p:sld xmlns:a="http://schemas.openxmlformats.org/drawingml/2006/main" xmlns:r="http://schemas.openxmlformats.org/officeDocument/2006/relationships" xmlns:p="http://schemas.openxmlformats.org/presentationml/2006/main">
-  <p:cSld>
-    <p:spTree>
-      <p:nvGrpSpPr>
-        <p:cNvPr id="1" name=""/>
-        <p:cNvGrpSpPr/>
-        <p:nvPr/>
-      </p:nvGrpSpPr>
-      <p:grpSpPr>
-        <a:xfrm>
-          <a:off x="0" y="0"/>
-          <a:ext cx="0" cy="0"/>
-          <a:chOff x="0" y="0"/>
-          <a:chExt cx="0" cy="0"/>
-        </a:xfrm>
-      </p:grpSpPr>
       <p:sp>
         <p:nvSpPr>
           <p:cNvPr id="2" name="Title 1"/>
@@ -6497,40 +5530,40 @@
   <a:themeElements>
     <a:clrScheme name="Retrospect">
       <a:dk1>
-        <a:srgbClr val="000000"/>
+        <a:sysClr val="windowText" lastClr="000000"/>
       </a:dk1>
       <a:lt1>
         <a:sysClr val="window" lastClr="FFFFFF"/>
       </a:lt1>
       <a:dk2>
-        <a:srgbClr val="637052"/>
+        <a:srgbClr val="455F51"/>
       </a:dk2>
       <a:lt2>
-        <a:srgbClr val="CCDDEA"/>
+        <a:srgbClr val="E2DFCC"/>
       </a:lt2>
       <a:accent1>
-        <a:srgbClr val="E48312"/>
+        <a:srgbClr val="99CB38"/>
       </a:accent1>
       <a:accent2>
-        <a:srgbClr val="BD582C"/>
+        <a:srgbClr val="63A537"/>
       </a:accent2>
       <a:accent3>
-        <a:srgbClr val="865640"/>
+        <a:srgbClr val="37A76F"/>
       </a:accent3>
       <a:accent4>
-        <a:srgbClr val="9B8357"/>
+        <a:srgbClr val="44C1A3"/>
       </a:accent4>
       <a:accent5>
-        <a:srgbClr val="C2BC80"/>
+        <a:srgbClr val="4EB3CF"/>
       </a:accent5>
       <a:accent6>
-        <a:srgbClr val="94A088"/>
+        <a:srgbClr val="51C3F9"/>
       </a:accent6>
       <a:hlink>
-        <a:srgbClr val="2998E3"/>
+        <a:srgbClr val="6B9F25"/>
       </a:hlink>
       <a:folHlink>
-        <a:srgbClr val="8C8C8C"/>
+        <a:srgbClr val="B26B02"/>
       </a:folHlink>
     </a:clrScheme>
     <a:fontScheme name="Retrospect">
@@ -6769,7 +5802,7 @@
   <a:extraClrSchemeLst/>
   <a:extLst>
     <a:ext uri="{05A4C25C-085E-4340-85A3-A5531E510DB2}">
-      <thm15:themeFamily xmlns:thm15="http://schemas.microsoft.com/office/thememl/2012/main" name="Retrospect" id="{5F128B03-DCCA-4EEB-AB3B-CF2899314A46}" vid="{3F1AAB62-24C6-49D2-8E01-B56FAC9A3DCD}"/>
+      <thm15:themeFamily xmlns:thm15="http://schemas.microsoft.com/office/thememl/2012/main" name="Retrospect" id="{5F128B03-DCCA-4EEB-AB3B-CF2899314A46}" vid="{D26EA377-59BD-4C9C-9D94-EE8416EE4C79}"/>
     </a:ext>
   </a:extLst>
 </a:theme>

--- a/Documents/Presentation/ECE6710_06_PRESENTATION.pptx
+++ b/Documents/Presentation/ECE6710_06_PRESENTATION.pptx
@@ -514,44 +514,6 @@
           <a:bodyPr/>
           <a:lstStyle/>
           <a:p>
-            <a:r>
-              <a:rPr lang="en-US" dirty="0" smtClean="0"/>
-              <a:t>General purpose</a:t>
-            </a:r>
-          </a:p>
-          <a:p>
-            <a:r>
-              <a:rPr lang="en-US" dirty="0" smtClean="0"/>
-              <a:t>	-Not</a:t>
-            </a:r>
-            <a:r>
-              <a:rPr lang="en-US" baseline="0" dirty="0" smtClean="0"/>
-              <a:t> application specific.</a:t>
-            </a:r>
-          </a:p>
-          <a:p>
-            <a:r>
-              <a:rPr lang="en-US" baseline="0" dirty="0" smtClean="0"/>
-              <a:t>12.5 MHz clock speed</a:t>
-            </a:r>
-          </a:p>
-          <a:p>
-            <a:r>
-              <a:rPr lang="en-US" baseline="0" dirty="0" smtClean="0"/>
-              <a:t>	-ensures we can read and write to memory in one clock period</a:t>
-            </a:r>
-          </a:p>
-          <a:p>
-            <a:r>
-              <a:rPr lang="en-US" baseline="0" dirty="0" smtClean="0"/>
-              <a:t>4 TCU’s in size</a:t>
-            </a:r>
-          </a:p>
-          <a:p>
-            <a:r>
-              <a:rPr lang="en-US" baseline="0" dirty="0" smtClean="0"/>
-              <a:t>	-reduces the probability of needing custom cells and allows place and route to do the work.</a:t>
-            </a:r>
             <a:endParaRPr lang="en-US" dirty="0"/>
           </a:p>
         </p:txBody>
@@ -573,7 +535,7 @@
           <a:p>
             <a:fld id="{4B644C2F-004E-4293-AAD8-A1333BA60648}" type="slidenum">
               <a:rPr lang="en-US" smtClean="0"/>
-              <a:t>2</a:t>
+              <a:t>1</a:t>
             </a:fld>
             <a:endParaRPr lang="en-US"/>
           </a:p>
@@ -582,7 +544,7 @@
     </p:spTree>
     <p:extLst>
       <p:ext uri="{BB962C8B-B14F-4D97-AF65-F5344CB8AC3E}">
-        <p14:creationId xmlns:p14="http://schemas.microsoft.com/office/powerpoint/2010/main" val="4100363205"/>
+        <p14:creationId xmlns:p14="http://schemas.microsoft.com/office/powerpoint/2010/main" val="2921991114"/>
       </p:ext>
     </p:extLst>
   </p:cSld>
@@ -638,11 +600,41 @@
           <a:p>
             <a:r>
               <a:rPr lang="en-US" dirty="0" smtClean="0"/>
-              <a:t>This is how our chip look</a:t>
+              <a:t>General purpose</a:t>
+            </a:r>
+          </a:p>
+          <a:p>
+            <a:r>
+              <a:rPr lang="en-US" dirty="0" smtClean="0"/>
+              <a:t>	-Not</a:t>
             </a:r>
             <a:r>
               <a:rPr lang="en-US" baseline="0" dirty="0" smtClean="0"/>
-              <a:t> deployed in a system.</a:t>
+              <a:t> application specific.</a:t>
+            </a:r>
+          </a:p>
+          <a:p>
+            <a:r>
+              <a:rPr lang="en-US" baseline="0" dirty="0" smtClean="0"/>
+              <a:t>12.5 MHz clock speed</a:t>
+            </a:r>
+          </a:p>
+          <a:p>
+            <a:r>
+              <a:rPr lang="en-US" baseline="0" dirty="0" smtClean="0"/>
+              <a:t>	-ensures we can read and write to memory in one clock period</a:t>
+            </a:r>
+          </a:p>
+          <a:p>
+            <a:r>
+              <a:rPr lang="en-US" baseline="0" dirty="0" smtClean="0"/>
+              <a:t>4 TCU’s in size</a:t>
+            </a:r>
+          </a:p>
+          <a:p>
+            <a:r>
+              <a:rPr lang="en-US" baseline="0" dirty="0" smtClean="0"/>
+              <a:t>	-reduces the probability of needing custom cells and allows place and route to do the work.</a:t>
             </a:r>
             <a:endParaRPr lang="en-US" dirty="0"/>
           </a:p>
@@ -665,7 +657,7 @@
           <a:p>
             <a:fld id="{4B644C2F-004E-4293-AAD8-A1333BA60648}" type="slidenum">
               <a:rPr lang="en-US" smtClean="0"/>
-              <a:t>3</a:t>
+              <a:t>2</a:t>
             </a:fld>
             <a:endParaRPr lang="en-US"/>
           </a:p>
@@ -674,7 +666,7 @@
     </p:spTree>
     <p:extLst>
       <p:ext uri="{BB962C8B-B14F-4D97-AF65-F5344CB8AC3E}">
-        <p14:creationId xmlns:p14="http://schemas.microsoft.com/office/powerpoint/2010/main" val="3807032323"/>
+        <p14:creationId xmlns:p14="http://schemas.microsoft.com/office/powerpoint/2010/main" val="4100363205"/>
       </p:ext>
     </p:extLst>
   </p:cSld>
@@ -730,6 +722,98 @@
           <a:p>
             <a:r>
               <a:rPr lang="en-US" dirty="0" smtClean="0"/>
+              <a:t>This is how our chip look</a:t>
+            </a:r>
+            <a:r>
+              <a:rPr lang="en-US" baseline="0" dirty="0" smtClean="0"/>
+              <a:t> deployed in a system.</a:t>
+            </a:r>
+            <a:endParaRPr lang="en-US" dirty="0"/>
+          </a:p>
+        </p:txBody>
+      </p:sp>
+      <p:sp>
+        <p:nvSpPr>
+          <p:cNvPr id="4" name="Slide Number Placeholder 3"/>
+          <p:cNvSpPr>
+            <a:spLocks noGrp="1"/>
+          </p:cNvSpPr>
+          <p:nvPr>
+            <p:ph type="sldNum" sz="quarter" idx="10"/>
+          </p:nvPr>
+        </p:nvSpPr>
+        <p:spPr/>
+        <p:txBody>
+          <a:bodyPr/>
+          <a:lstStyle/>
+          <a:p>
+            <a:fld id="{4B644C2F-004E-4293-AAD8-A1333BA60648}" type="slidenum">
+              <a:rPr lang="en-US" smtClean="0"/>
+              <a:t>3</a:t>
+            </a:fld>
+            <a:endParaRPr lang="en-US"/>
+          </a:p>
+        </p:txBody>
+      </p:sp>
+    </p:spTree>
+    <p:extLst>
+      <p:ext uri="{BB962C8B-B14F-4D97-AF65-F5344CB8AC3E}">
+        <p14:creationId xmlns:p14="http://schemas.microsoft.com/office/powerpoint/2010/main" val="3807032323"/>
+      </p:ext>
+    </p:extLst>
+  </p:cSld>
+  <p:clrMapOvr>
+    <a:masterClrMapping/>
+  </p:clrMapOvr>
+</p:notes>
+</file>
+
+<file path=ppt/notesSlides/notesSlide4.xml><?xml version="1.0" encoding="utf-8"?>
+<p:notes xmlns:a="http://schemas.openxmlformats.org/drawingml/2006/main" xmlns:r="http://schemas.openxmlformats.org/officeDocument/2006/relationships" xmlns:p="http://schemas.openxmlformats.org/presentationml/2006/main">
+  <p:cSld>
+    <p:spTree>
+      <p:nvGrpSpPr>
+        <p:cNvPr id="1" name=""/>
+        <p:cNvGrpSpPr/>
+        <p:nvPr/>
+      </p:nvGrpSpPr>
+      <p:grpSpPr>
+        <a:xfrm>
+          <a:off x="0" y="0"/>
+          <a:ext cx="0" cy="0"/>
+          <a:chOff x="0" y="0"/>
+          <a:chExt cx="0" cy="0"/>
+        </a:xfrm>
+      </p:grpSpPr>
+      <p:sp>
+        <p:nvSpPr>
+          <p:cNvPr id="2" name="Slide Image Placeholder 1"/>
+          <p:cNvSpPr>
+            <a:spLocks noGrp="1" noRot="1" noChangeAspect="1"/>
+          </p:cNvSpPr>
+          <p:nvPr>
+            <p:ph type="sldImg"/>
+          </p:nvPr>
+        </p:nvSpPr>
+        <p:spPr/>
+      </p:sp>
+      <p:sp>
+        <p:nvSpPr>
+          <p:cNvPr id="3" name="Notes Placeholder 2"/>
+          <p:cNvSpPr>
+            <a:spLocks noGrp="1"/>
+          </p:cNvSpPr>
+          <p:nvPr>
+            <p:ph type="body" idx="1"/>
+          </p:nvPr>
+        </p:nvSpPr>
+        <p:spPr/>
+        <p:txBody>
+          <a:bodyPr/>
+          <a:lstStyle/>
+          <a:p>
+            <a:r>
+              <a:rPr lang="en-US" dirty="0" smtClean="0"/>
               <a:t>2 bit color VGA </a:t>
             </a:r>
           </a:p>
@@ -750,7 +834,6 @@
               <a:rPr lang="en-US" dirty="0" smtClean="0"/>
               <a:t>External access to ALU flag and FSM state bits for testing</a:t>
             </a:r>
-            <a:endParaRPr lang="en-US" dirty="0" smtClean="0"/>
           </a:p>
         </p:txBody>
       </p:sp>
@@ -790,7 +873,7 @@
 </p:notes>
 </file>
 
-<file path=ppt/notesSlides/notesSlide4.xml><?xml version="1.0" encoding="utf-8"?>
+<file path=ppt/notesSlides/notesSlide5.xml><?xml version="1.0" encoding="utf-8"?>
 <p:notes xmlns:a="http://schemas.openxmlformats.org/drawingml/2006/main" xmlns:r="http://schemas.openxmlformats.org/officeDocument/2006/relationships" xmlns:p="http://schemas.openxmlformats.org/presentationml/2006/main">
   <p:cSld>
     <p:spTree>

--- a/Documents/Presentation/ECE6710_06_PRESENTATION.pptx
+++ b/Documents/Presentation/ECE6710_06_PRESENTATION.pptx
@@ -4803,6 +4803,45 @@
           <a:chExt cx="0" cy="0"/>
         </a:xfrm>
       </p:grpSpPr>
+      <p:pic>
+        <p:nvPicPr>
+          <p:cNvPr id="1030" name="Picture 6" descr="http://wiimedia.ign.com/wii/image/article/843/843696/startropics-review-20080104084134717.jpg"/>
+          <p:cNvPicPr>
+            <a:picLocks noChangeAspect="1" noChangeArrowheads="1"/>
+          </p:cNvPicPr>
+          <p:nvPr/>
+        </p:nvPicPr>
+        <p:blipFill rotWithShape="1">
+          <a:blip r:embed="rId3">
+            <a:extLst>
+              <a:ext uri="{28A0092B-C50C-407E-A947-70E740481C1C}">
+                <a14:useLocalDpi xmlns:a14="http://schemas.microsoft.com/office/drawing/2010/main" val="0"/>
+              </a:ext>
+            </a:extLst>
+          </a:blip>
+          <a:srcRect b="4099"/>
+          <a:stretch/>
+        </p:blipFill>
+        <p:spPr bwMode="auto">
+          <a:xfrm>
+            <a:off x="3103595" y="4205332"/>
+            <a:ext cx="4142430" cy="2118748"/>
+          </a:xfrm>
+          <a:prstGeom prst="rect">
+            <a:avLst/>
+          </a:prstGeom>
+          <a:noFill/>
+          <a:extLst>
+            <a:ext uri="{909E8E84-426E-40DD-AFC4-6F175D3DCCD1}">
+              <a14:hiddenFill xmlns:a14="http://schemas.microsoft.com/office/drawing/2010/main">
+                <a:solidFill>
+                  <a:srgbClr val="FFFFFF"/>
+                </a:solidFill>
+              </a14:hiddenFill>
+            </a:ext>
+          </a:extLst>
+        </p:spPr>
+      </p:pic>
       <p:sp>
         <p:nvSpPr>
           <p:cNvPr id="2" name="Title 1"/>
@@ -4835,7 +4874,7 @@
           <p:nvPr/>
         </p:nvPicPr>
         <p:blipFill>
-          <a:blip r:embed="rId3">
+          <a:blip r:embed="rId4">
             <a:extLst>
               <a:ext uri="{28A0092B-C50C-407E-A947-70E740481C1C}">
                 <a14:useLocalDpi xmlns:a14="http://schemas.microsoft.com/office/drawing/2010/main" val="0"/>
@@ -4876,7 +4915,7 @@
           <p:nvPr/>
         </p:nvPicPr>
         <p:blipFill>
-          <a:blip r:embed="rId4">
+          <a:blip r:embed="rId5">
             <a:extLst>
               <a:ext uri="{28A0092B-C50C-407E-A947-70E740481C1C}">
                 <a14:useLocalDpi xmlns:a14="http://schemas.microsoft.com/office/drawing/2010/main" val="0"/>
@@ -4917,7 +4956,7 @@
           <p:nvPr/>
         </p:nvPicPr>
         <p:blipFill>
-          <a:blip r:embed="rId5">
+          <a:blip r:embed="rId6">
             <a:extLst>
               <a:ext uri="{28A0092B-C50C-407E-A947-70E740481C1C}">
                 <a14:useLocalDpi xmlns:a14="http://schemas.microsoft.com/office/drawing/2010/main" val="0"/>
@@ -4931,8 +4970,8 @@
         </p:blipFill>
         <p:spPr bwMode="auto">
           <a:xfrm>
-            <a:off x="6078298" y="4304779"/>
-            <a:ext cx="2862072" cy="2020824"/>
+            <a:off x="6087444" y="4293219"/>
+            <a:ext cx="2843780" cy="2043944"/>
           </a:xfrm>
           <a:prstGeom prst="rect">
             <a:avLst/>
@@ -4958,7 +4997,7 @@
           <p:nvPr/>
         </p:nvPicPr>
         <p:blipFill>
-          <a:blip r:embed="rId6">
+          <a:blip r:embed="rId7">
             <a:extLst>
               <a:ext uri="{28A0092B-C50C-407E-A947-70E740481C1C}">
                 <a14:useLocalDpi xmlns:a14="http://schemas.microsoft.com/office/drawing/2010/main" val="0"/>
@@ -4972,8 +5011,129 @@
         </p:blipFill>
         <p:spPr bwMode="auto">
           <a:xfrm>
-            <a:off x="8935797" y="2283955"/>
+            <a:off x="8931224" y="2272395"/>
             <a:ext cx="2862072" cy="2020824"/>
+          </a:xfrm>
+          <a:prstGeom prst="rect">
+            <a:avLst/>
+          </a:prstGeom>
+          <a:noFill/>
+          <a:extLst>
+            <a:ext uri="{909E8E84-426E-40DD-AFC4-6F175D3DCCD1}">
+              <a14:hiddenFill xmlns:a14="http://schemas.microsoft.com/office/drawing/2010/main">
+                <a:solidFill>
+                  <a:srgbClr val="FFFFFF"/>
+                </a:solidFill>
+              </a14:hiddenFill>
+            </a:ext>
+          </a:extLst>
+        </p:spPr>
+      </p:pic>
+      <p:pic>
+        <p:nvPicPr>
+          <p:cNvPr id="1026" name="Picture 2" descr="http://cdn3.dualshockers.com/wp-content/uploads/2011/05/chipschallenge-ds1-670x469-constrain.jpg"/>
+          <p:cNvPicPr>
+            <a:picLocks noChangeAspect="1" noChangeArrowheads="1"/>
+          </p:cNvPicPr>
+          <p:nvPr/>
+        </p:nvPicPr>
+        <p:blipFill>
+          <a:blip r:embed="rId8">
+            <a:extLst>
+              <a:ext uri="{28A0092B-C50C-407E-A947-70E740481C1C}">
+                <a14:useLocalDpi xmlns:a14="http://schemas.microsoft.com/office/drawing/2010/main" val="0"/>
+              </a:ext>
+            </a:extLst>
+          </a:blip>
+          <a:srcRect/>
+          <a:stretch>
+            <a:fillRect/>
+          </a:stretch>
+        </p:blipFill>
+        <p:spPr bwMode="auto">
+          <a:xfrm>
+            <a:off x="329334" y="2283955"/>
+            <a:ext cx="2886892" cy="2020824"/>
+          </a:xfrm>
+          <a:prstGeom prst="rect">
+            <a:avLst/>
+          </a:prstGeom>
+          <a:noFill/>
+          <a:extLst>
+            <a:ext uri="{909E8E84-426E-40DD-AFC4-6F175D3DCCD1}">
+              <a14:hiddenFill xmlns:a14="http://schemas.microsoft.com/office/drawing/2010/main">
+                <a:solidFill>
+                  <a:srgbClr val="FFFFFF"/>
+                </a:solidFill>
+              </a14:hiddenFill>
+            </a:ext>
+          </a:extLst>
+        </p:spPr>
+      </p:pic>
+      <p:pic>
+        <p:nvPicPr>
+          <p:cNvPr id="1028" name="Picture 4" descr="http://wiimedia.ign.com/wii/image/article/849/849905/adventures-of-lolo-2-virtual-console-20080205063151188.jpg"/>
+          <p:cNvPicPr>
+            <a:picLocks noChangeAspect="1" noChangeArrowheads="1"/>
+          </p:cNvPicPr>
+          <p:nvPr/>
+        </p:nvPicPr>
+        <p:blipFill rotWithShape="1">
+          <a:blip r:embed="rId9">
+            <a:extLst>
+              <a:ext uri="{28A0092B-C50C-407E-A947-70E740481C1C}">
+                <a14:useLocalDpi xmlns:a14="http://schemas.microsoft.com/office/drawing/2010/main" val="0"/>
+              </a:ext>
+            </a:extLst>
+          </a:blip>
+          <a:srcRect l="390" t="-18701" r="-390" b="19482"/>
+          <a:stretch/>
+        </p:blipFill>
+        <p:spPr bwMode="auto">
+          <a:xfrm>
+            <a:off x="6044332" y="1808470"/>
+            <a:ext cx="2920858" cy="2484749"/>
+          </a:xfrm>
+          <a:prstGeom prst="rect">
+            <a:avLst/>
+          </a:prstGeom>
+          <a:noFill/>
+          <a:extLst>
+            <a:ext uri="{909E8E84-426E-40DD-AFC4-6F175D3DCCD1}">
+              <a14:hiddenFill xmlns:a14="http://schemas.microsoft.com/office/drawing/2010/main">
+                <a:solidFill>
+                  <a:srgbClr val="FFFFFF"/>
+                </a:solidFill>
+              </a14:hiddenFill>
+            </a:ext>
+          </a:extLst>
+        </p:spPr>
+      </p:pic>
+      <p:pic>
+        <p:nvPicPr>
+          <p:cNvPr id="1032" name="Picture 8" descr="https://encrypted-tbn3.gstatic.com/images?q=tbn:ANd9GcTpTJ9PgZl0jXSLe6NnezPVRbrgH_hVv0o5K0IvG9XPEuI9zRo7"/>
+          <p:cNvPicPr>
+            <a:picLocks noChangeAspect="1" noChangeArrowheads="1"/>
+          </p:cNvPicPr>
+          <p:nvPr/>
+        </p:nvPicPr>
+        <p:blipFill>
+          <a:blip r:embed="rId10">
+            <a:extLst>
+              <a:ext uri="{28A0092B-C50C-407E-A947-70E740481C1C}">
+                <a14:useLocalDpi xmlns:a14="http://schemas.microsoft.com/office/drawing/2010/main" val="0"/>
+              </a:ext>
+            </a:extLst>
+          </a:blip>
+          <a:srcRect/>
+          <a:stretch>
+            <a:fillRect/>
+          </a:stretch>
+        </p:blipFill>
+        <p:spPr bwMode="auto">
+          <a:xfrm>
+            <a:off x="8931224" y="4260006"/>
+            <a:ext cx="2862072" cy="2064074"/>
           </a:xfrm>
           <a:prstGeom prst="rect">
             <a:avLst/>
@@ -5405,7 +5565,7 @@
       </p:grpSpPr>
       <p:pic>
         <p:nvPicPr>
-          <p:cNvPr id="2" name="Picture 2" descr="https://documents.lucidchart.com/documents/117d4369-5faf-4dee-8078-490c3d7673d6/pages/k6OtxLzFPb4r?a=16392&amp;x=317&amp;y=-57&amp;w=2995&amp;h=2230&amp;store=1&amp;accept=image%2F*&amp;auth=LCA%203bde938bef7dbef168d5149223d8bbf5d443547c-ts%3D1449511629"/>
+          <p:cNvPr id="2052" name="Picture 4" descr="https://documents.lucidchart.com/documents/117d4369-5faf-4dee-8078-490c3d7673d6/pages/Y-8z01yzstyj?a=18476&amp;x=63&amp;y=-55&amp;w=3299&amp;h=2389&amp;store=1&amp;accept=image%2F*&amp;auth=LCA%209d5420371db9dd9bf0b00c571ab7d6c8f6ccbb12-ts%3D1449541173"/>
           <p:cNvPicPr>
             <a:picLocks noChangeAspect="1" noChangeArrowheads="1"/>
           </p:cNvPicPr>
@@ -5426,8 +5586,8 @@
         </p:blipFill>
         <p:spPr bwMode="auto">
           <a:xfrm>
-            <a:off x="1" y="1"/>
-            <a:ext cx="12192000" cy="6431280"/>
+            <a:off x="1785434" y="-99937"/>
+            <a:ext cx="8819376" cy="6388164"/>
           </a:xfrm>
           <a:prstGeom prst="rect">
             <a:avLst/>
@@ -5565,12 +5725,13 @@
             <a:pPr algn="ctr"/>
             <a:r>
               <a:rPr lang="en-US" dirty="0"/>
-              <a:t>Andrew Bradbury</a:t>
+              <a:t>Andrew </a:t>
             </a:r>
             <a:r>
               <a:rPr lang="en-US" dirty="0" smtClean="0"/>
-              <a:t>: a.bradbury8@gmail.com</a:t>
-            </a:r>
+              <a:t>Bradbury: a.bradbury@utah.edu</a:t>
+            </a:r>
+            <a:endParaRPr lang="en-US" dirty="0" smtClean="0"/>
           </a:p>
           <a:p>
             <a:pPr algn="ctr"/>

--- a/Documents/Presentation/ECE6710_06_PRESENTATION.pptx
+++ b/Documents/Presentation/ECE6710_06_PRESENTATION.pptx
@@ -5,7 +5,7 @@
     <p:sldMasterId id="2147483759" r:id="rId1"/>
   </p:sldMasterIdLst>
   <p:notesMasterIdLst>
-    <p:notesMasterId r:id="rId8"/>
+    <p:notesMasterId r:id="rId9"/>
   </p:notesMasterIdLst>
   <p:sldIdLst>
     <p:sldId id="256" r:id="rId2"/>
@@ -13,7 +13,8 @@
     <p:sldId id="266" r:id="rId4"/>
     <p:sldId id="263" r:id="rId5"/>
     <p:sldId id="264" r:id="rId6"/>
-    <p:sldId id="265" r:id="rId7"/>
+    <p:sldId id="267" r:id="rId7"/>
+    <p:sldId id="265" r:id="rId8"/>
   </p:sldIdLst>
   <p:sldSz cx="12192000" cy="6858000"/>
   <p:notesSz cx="6858000" cy="9144000"/>
@@ -965,6 +966,98 @@
 </p:notes>
 </file>
 
+<file path=ppt/notesSlides/notesSlide6.xml><?xml version="1.0" encoding="utf-8"?>
+<p:notes xmlns:a="http://schemas.openxmlformats.org/drawingml/2006/main" xmlns:r="http://schemas.openxmlformats.org/officeDocument/2006/relationships" xmlns:p="http://schemas.openxmlformats.org/presentationml/2006/main">
+  <p:cSld>
+    <p:spTree>
+      <p:nvGrpSpPr>
+        <p:cNvPr id="1" name=""/>
+        <p:cNvGrpSpPr/>
+        <p:nvPr/>
+      </p:nvGrpSpPr>
+      <p:grpSpPr>
+        <a:xfrm>
+          <a:off x="0" y="0"/>
+          <a:ext cx="0" cy="0"/>
+          <a:chOff x="0" y="0"/>
+          <a:chExt cx="0" cy="0"/>
+        </a:xfrm>
+      </p:grpSpPr>
+      <p:sp>
+        <p:nvSpPr>
+          <p:cNvPr id="2" name="Slide Image Placeholder 1"/>
+          <p:cNvSpPr>
+            <a:spLocks noGrp="1" noRot="1" noChangeAspect="1"/>
+          </p:cNvSpPr>
+          <p:nvPr>
+            <p:ph type="sldImg"/>
+          </p:nvPr>
+        </p:nvSpPr>
+        <p:spPr/>
+      </p:sp>
+      <p:sp>
+        <p:nvSpPr>
+          <p:cNvPr id="3" name="Notes Placeholder 2"/>
+          <p:cNvSpPr>
+            <a:spLocks noGrp="1"/>
+          </p:cNvSpPr>
+          <p:nvPr>
+            <p:ph type="body" idx="1"/>
+          </p:nvPr>
+        </p:nvSpPr>
+        <p:spPr/>
+        <p:txBody>
+          <a:bodyPr/>
+          <a:lstStyle/>
+          <a:p>
+            <a:r>
+              <a:rPr lang="en-US" dirty="0" smtClean="0"/>
+              <a:t>Add</a:t>
+            </a:r>
+            <a:r>
+              <a:rPr lang="en-US" baseline="0" dirty="0" smtClean="0"/>
+              <a:t> place and routed layout here.</a:t>
+            </a:r>
+            <a:endParaRPr lang="en-US" dirty="0"/>
+          </a:p>
+        </p:txBody>
+      </p:sp>
+      <p:sp>
+        <p:nvSpPr>
+          <p:cNvPr id="4" name="Slide Number Placeholder 3"/>
+          <p:cNvSpPr>
+            <a:spLocks noGrp="1"/>
+          </p:cNvSpPr>
+          <p:nvPr>
+            <p:ph type="sldNum" sz="quarter" idx="10"/>
+          </p:nvPr>
+        </p:nvSpPr>
+        <p:spPr/>
+        <p:txBody>
+          <a:bodyPr/>
+          <a:lstStyle/>
+          <a:p>
+            <a:fld id="{4B644C2F-004E-4293-AAD8-A1333BA60648}" type="slidenum">
+              <a:rPr lang="en-US" smtClean="0"/>
+              <a:t>6</a:t>
+            </a:fld>
+            <a:endParaRPr lang="en-US"/>
+          </a:p>
+        </p:txBody>
+      </p:sp>
+    </p:spTree>
+    <p:extLst>
+      <p:ext uri="{BB962C8B-B14F-4D97-AF65-F5344CB8AC3E}">
+        <p14:creationId xmlns:p14="http://schemas.microsoft.com/office/powerpoint/2010/main" val="622208892"/>
+      </p:ext>
+    </p:extLst>
+  </p:cSld>
+  <p:clrMapOvr>
+    <a:masterClrMapping/>
+  </p:clrMapOvr>
+</p:notes>
+</file>
+
 <file path=ppt/slideLayouts/slideLayout1.xml><?xml version="1.0" encoding="utf-8"?>
 <p:sldLayout xmlns:a="http://schemas.openxmlformats.org/drawingml/2006/main" xmlns:r="http://schemas.openxmlformats.org/officeDocument/2006/relationships" xmlns:p="http://schemas.openxmlformats.org/presentationml/2006/main" showMasterSp="0" type="title" preserve="1">
   <p:cSld name="Title Slide">
@@ -1247,8 +1340,8 @@
         </p:nvCxnSpPr>
         <p:spPr>
           <a:xfrm>
-            <a:off x="1207658" y="4343400"/>
-            <a:ext cx="9875520" cy="0"/>
+            <a:off x="15" y="4325112"/>
+            <a:ext cx="11083163" cy="18288"/>
           </a:xfrm>
           <a:prstGeom prst="line">
             <a:avLst/>
@@ -5197,8 +5290,8 @@
         </p:nvSpPr>
         <p:spPr>
           <a:xfrm>
-            <a:off x="1246135" y="1886141"/>
-            <a:ext cx="2666646" cy="2460452"/>
+            <a:off x="736979" y="2101865"/>
+            <a:ext cx="3612530" cy="2654271"/>
           </a:xfrm>
           <a:prstGeom prst="rect">
             <a:avLst/>
@@ -5453,35 +5546,60 @@
             </a:lvl9pPr>
           </a:lstStyle>
           <a:p>
-            <a:r>
-              <a:rPr lang="en-US" dirty="0" smtClean="0"/>
+            <a:pPr>
+              <a:buClrTx/>
+              <a:buFont typeface="Arial" panose="020B0604020202020204" pitchFamily="34" charset="0"/>
+              <a:buChar char="•"/>
+            </a:pPr>
+            <a:r>
+              <a:rPr lang="en-US" sz="2800" dirty="0" smtClean="0"/>
               <a:t>16-bit microprocessor </a:t>
             </a:r>
           </a:p>
           <a:p>
-            <a:r>
-              <a:rPr lang="en-US" dirty="0" smtClean="0"/>
+            <a:pPr>
+              <a:buClrTx/>
+              <a:buFont typeface="Arial" panose="020B0604020202020204" pitchFamily="34" charset="0"/>
+              <a:buChar char="•"/>
+            </a:pPr>
+            <a:r>
+              <a:rPr lang="en-US" sz="2800" dirty="0" smtClean="0"/>
               <a:t>CR16 ISA</a:t>
             </a:r>
           </a:p>
           <a:p>
-            <a:r>
-              <a:rPr lang="en-US" dirty="0" smtClean="0"/>
+            <a:pPr>
+              <a:buClrTx/>
+              <a:buFont typeface="Arial" panose="020B0604020202020204" pitchFamily="34" charset="0"/>
+              <a:buChar char="•"/>
+            </a:pPr>
+            <a:r>
+              <a:rPr lang="en-US" sz="2800" dirty="0" smtClean="0"/>
               <a:t>General purpose</a:t>
             </a:r>
           </a:p>
           <a:p>
-            <a:r>
-              <a:rPr lang="en-US" dirty="0" smtClean="0"/>
+            <a:pPr>
+              <a:buClrTx/>
+              <a:buFont typeface="Arial" panose="020B0604020202020204" pitchFamily="34" charset="0"/>
+              <a:buChar char="•"/>
+            </a:pPr>
+            <a:r>
+              <a:rPr lang="en-US" sz="2800" dirty="0" smtClean="0"/>
               <a:t>12.5 MHz clock speed</a:t>
             </a:r>
           </a:p>
           <a:p>
-            <a:r>
-              <a:rPr lang="en-US" dirty="0" smtClean="0"/>
+            <a:pPr>
+              <a:buClrTx/>
+              <a:buFont typeface="Arial" panose="020B0604020202020204" pitchFamily="34" charset="0"/>
+              <a:buChar char="•"/>
+            </a:pPr>
+            <a:r>
+              <a:rPr lang="en-US" sz="2800" dirty="0" smtClean="0"/>
               <a:t>4 TCU’s in size</a:t>
             </a:r>
-            <a:endParaRPr lang="en-US" dirty="0"/>
+            <a:endParaRPr lang="en-US" sz="2800" dirty="0"/>
           </a:p>
         </p:txBody>
       </p:sp>
@@ -5508,7 +5626,7 @@
         </p:blipFill>
         <p:spPr bwMode="auto">
           <a:xfrm>
-            <a:off x="3912781" y="363641"/>
+            <a:off x="4608817" y="676275"/>
             <a:ext cx="6915150" cy="5505451"/>
           </a:xfrm>
           <a:prstGeom prst="rect">
@@ -5565,7 +5683,7 @@
       </p:grpSpPr>
       <p:pic>
         <p:nvPicPr>
-          <p:cNvPr id="2052" name="Picture 4" descr="https://documents.lucidchart.com/documents/117d4369-5faf-4dee-8078-490c3d7673d6/pages/Y-8z01yzstyj?a=18476&amp;x=63&amp;y=-55&amp;w=3299&amp;h=2389&amp;store=1&amp;accept=image%2F*&amp;auth=LCA%209d5420371db9dd9bf0b00c571ab7d6c8f6ccbb12-ts%3D1449541173"/>
+          <p:cNvPr id="1026" name="Picture 2" descr="https://documents.lucidchart.com/documents/117d4369-5faf-4dee-8078-490c3d7673d6/pages/Y-8z01yzstyj?a=18713&amp;x=101&amp;y=-55&amp;w=3260&amp;h=2389&amp;store=1&amp;accept=image%2F*&amp;auth=LCA%20cefa67fa6a6f37093fde7e952d38b167294de4c8-ts%3D1449523252"/>
           <p:cNvPicPr>
             <a:picLocks noChangeAspect="1" noChangeArrowheads="1"/>
           </p:cNvPicPr>
@@ -5586,8 +5704,8 @@
         </p:blipFill>
         <p:spPr bwMode="auto">
           <a:xfrm>
-            <a:off x="1785434" y="-99937"/>
-            <a:ext cx="8819376" cy="6388164"/>
+            <a:off x="725488" y="0"/>
+            <a:ext cx="10741025" cy="6343650"/>
           </a:xfrm>
           <a:prstGeom prst="rect">
             <a:avLst/>
@@ -5641,6 +5759,35 @@
           <a:chExt cx="0" cy="0"/>
         </a:xfrm>
       </p:grpSpPr>
+      <p:pic>
+        <p:nvPicPr>
+          <p:cNvPr id="2" name="Picture 1"/>
+          <p:cNvPicPr>
+            <a:picLocks noChangeAspect="1"/>
+          </p:cNvPicPr>
+          <p:nvPr/>
+        </p:nvPicPr>
+        <p:blipFill rotWithShape="1">
+          <a:blip r:embed="rId3">
+            <a:extLst>
+              <a:ext uri="{28A0092B-C50C-407E-A947-70E740481C1C}">
+                <a14:useLocalDpi xmlns:a14="http://schemas.microsoft.com/office/drawing/2010/main" val="0"/>
+              </a:ext>
+            </a:extLst>
+          </a:blip>
+          <a:srcRect l="33014" t="20209" r="22179" b="15095"/>
+          <a:stretch/>
+        </p:blipFill>
+        <p:spPr>
+          <a:xfrm>
+            <a:off x="2574325" y="0"/>
+            <a:ext cx="7043351" cy="6344720"/>
+          </a:xfrm>
+          <a:prstGeom prst="rect">
+            <a:avLst/>
+          </a:prstGeom>
+        </p:spPr>
+      </p:pic>
     </p:spTree>
     <p:extLst>
       <p:ext uri="{BB962C8B-B14F-4D97-AF65-F5344CB8AC3E}">
@@ -5678,6 +5825,72 @@
           <a:chExt cx="0" cy="0"/>
         </a:xfrm>
       </p:grpSpPr>
+      <p:pic>
+        <p:nvPicPr>
+          <p:cNvPr id="2" name="Picture 1"/>
+          <p:cNvPicPr>
+            <a:picLocks noChangeAspect="1"/>
+          </p:cNvPicPr>
+          <p:nvPr/>
+        </p:nvPicPr>
+        <p:blipFill rotWithShape="1">
+          <a:blip r:embed="rId3">
+            <a:extLst>
+              <a:ext uri="{28A0092B-C50C-407E-A947-70E740481C1C}">
+                <a14:useLocalDpi xmlns:a14="http://schemas.microsoft.com/office/drawing/2010/main" val="0"/>
+              </a:ext>
+            </a:extLst>
+          </a:blip>
+          <a:srcRect l="32838" t="20329" r="22305" b="15093"/>
+          <a:stretch/>
+        </p:blipFill>
+        <p:spPr>
+          <a:xfrm>
+            <a:off x="2555790" y="0"/>
+            <a:ext cx="7080421" cy="6337172"/>
+          </a:xfrm>
+          <a:prstGeom prst="rect">
+            <a:avLst/>
+          </a:prstGeom>
+        </p:spPr>
+      </p:pic>
+    </p:spTree>
+    <p:extLst>
+      <p:ext uri="{BB962C8B-B14F-4D97-AF65-F5344CB8AC3E}">
+        <p14:creationId xmlns:p14="http://schemas.microsoft.com/office/powerpoint/2010/main" val="2453395174"/>
+      </p:ext>
+    </p:extLst>
+  </p:cSld>
+  <p:clrMapOvr>
+    <a:masterClrMapping/>
+  </p:clrMapOvr>
+  <p:timing>
+    <p:tnLst>
+      <p:par>
+        <p:cTn id="1" dur="indefinite" restart="never" nodeType="tmRoot"/>
+      </p:par>
+    </p:tnLst>
+  </p:timing>
+</p:sld>
+</file>
+
+<file path=ppt/slides/slide7.xml><?xml version="1.0" encoding="utf-8"?>
+<p:sld xmlns:a="http://schemas.openxmlformats.org/drawingml/2006/main" xmlns:r="http://schemas.openxmlformats.org/officeDocument/2006/relationships" xmlns:p="http://schemas.openxmlformats.org/presentationml/2006/main">
+  <p:cSld>
+    <p:spTree>
+      <p:nvGrpSpPr>
+        <p:cNvPr id="1" name=""/>
+        <p:cNvGrpSpPr/>
+        <p:nvPr/>
+      </p:nvGrpSpPr>
+      <p:grpSpPr>
+        <a:xfrm>
+          <a:off x="0" y="0"/>
+          <a:ext cx="0" cy="0"/>
+          <a:chOff x="0" y="0"/>
+          <a:chExt cx="0" cy="0"/>
+        </a:xfrm>
+      </p:grpSpPr>
       <p:sp>
         <p:nvSpPr>
           <p:cNvPr id="2" name="Title 1"/>
@@ -5731,7 +5944,6 @@
               <a:rPr lang="en-US" dirty="0" smtClean="0"/>
               <a:t>Bradbury: a.bradbury@utah.edu</a:t>
             </a:r>
-            <a:endParaRPr lang="en-US" dirty="0" smtClean="0"/>
           </a:p>
           <a:p>
             <a:pPr algn="ctr"/>
